--- a/VolunteerSeach.pptx
+++ b/VolunteerSeach.pptx
@@ -5,12 +5,16 @@
     <p:sldMasterId id="2147483708" r:id="rId1"/>
   </p:sldMasterIdLst>
   <p:sldIdLst>
-    <p:sldId id="256" r:id="rId2"/>
-    <p:sldId id="257" r:id="rId3"/>
-    <p:sldId id="259" r:id="rId4"/>
-    <p:sldId id="263" r:id="rId5"/>
-    <p:sldId id="260" r:id="rId6"/>
-    <p:sldId id="262" r:id="rId7"/>
+    <p:sldId id="264" r:id="rId2"/>
+    <p:sldId id="267" r:id="rId3"/>
+    <p:sldId id="266" r:id="rId4"/>
+    <p:sldId id="257" r:id="rId5"/>
+    <p:sldId id="259" r:id="rId6"/>
+    <p:sldId id="260" r:id="rId7"/>
+    <p:sldId id="269" r:id="rId8"/>
+    <p:sldId id="263" r:id="rId9"/>
+    <p:sldId id="262" r:id="rId10"/>
+    <p:sldId id="270" r:id="rId11"/>
   </p:sldIdLst>
   <p:sldSz cx="12192000" cy="6858000"/>
   <p:notesSz cx="6858000" cy="9144000"/>
@@ -109,6 +113,11 @@
       </a:defRPr>
     </a:lvl9pPr>
   </p:defaultTextStyle>
+  <p:extLst>
+    <p:ext uri="{EFAFB233-063F-42B5-8137-9DF3F51BA10A}">
+      <p15:sldGuideLst xmlns:p15="http://schemas.microsoft.com/office/powerpoint/2012/main"/>
+    </p:ext>
+  </p:extLst>
 </p:presentation>
 </file>
 
@@ -1107,6 +1116,13 @@
         </dgm:presLayoutVars>
       </dgm:prSet>
       <dgm:spPr/>
+      <dgm:t>
+        <a:bodyPr/>
+        <a:lstStyle/>
+        <a:p>
+          <a:endParaRPr lang="ru-RU"/>
+        </a:p>
+      </dgm:t>
     </dgm:pt>
     <dgm:pt modelId="{0C68BF59-163E-48E4-82F0-0BB3F8D94EA2}" type="pres">
       <dgm:prSet presAssocID="{5B7BE4B3-62DA-4A3A-8F15-0BB75EB10CB8}" presName="compNode" presStyleCnt="0"/>
@@ -1155,6 +1171,13 @@
     <dgm:pt modelId="{AA961180-E12E-4DAE-B42B-239D0C0863BE}" type="pres">
       <dgm:prSet presAssocID="{349E1BEB-9484-4BF4-8B93-6B903B874091}" presName="sibTrans" presStyleLbl="sibTrans2D1" presStyleIdx="0" presStyleCnt="0"/>
       <dgm:spPr/>
+      <dgm:t>
+        <a:bodyPr/>
+        <a:lstStyle/>
+        <a:p>
+          <a:endParaRPr lang="ru-RU"/>
+        </a:p>
+      </dgm:t>
     </dgm:pt>
     <dgm:pt modelId="{D23E3ABD-E3DB-4542-A73A-DE1B2E9BBCD9}" type="pres">
       <dgm:prSet presAssocID="{B9782F11-5405-4E73-BEBF-E10BE0CB84D1}" presName="compNode" presStyleCnt="0"/>
@@ -1196,6 +1219,13 @@
     <dgm:pt modelId="{22EF1BE0-A2A0-4E19-89F3-55A669FC5003}" type="pres">
       <dgm:prSet presAssocID="{21DE0BE8-2D72-47EE-BA85-E77024F56C16}" presName="sibTrans" presStyleLbl="sibTrans2D1" presStyleIdx="0" presStyleCnt="0"/>
       <dgm:spPr/>
+      <dgm:t>
+        <a:bodyPr/>
+        <a:lstStyle/>
+        <a:p>
+          <a:endParaRPr lang="ru-RU"/>
+        </a:p>
+      </dgm:t>
     </dgm:pt>
     <dgm:pt modelId="{E350B390-216F-4CDC-BF15-FA3A8BB6281E}" type="pres">
       <dgm:prSet presAssocID="{6FC76F1D-CC94-408A-B9DA-FE3FBCC55C30}" presName="compNode" presStyleCnt="0"/>
@@ -1237,6 +1267,13 @@
     <dgm:pt modelId="{DC097BA9-2393-42B1-BCFF-CA3393FF9C95}" type="pres">
       <dgm:prSet presAssocID="{0CF7D01C-9A4C-4A0F-AC4E-9C550CC395D2}" presName="sibTrans" presStyleLbl="sibTrans2D1" presStyleIdx="0" presStyleCnt="0"/>
       <dgm:spPr/>
+      <dgm:t>
+        <a:bodyPr/>
+        <a:lstStyle/>
+        <a:p>
+          <a:endParaRPr lang="ru-RU"/>
+        </a:p>
+      </dgm:t>
     </dgm:pt>
     <dgm:pt modelId="{A55E4000-C4BC-4DC2-A84C-CB47D629E20F}" type="pres">
       <dgm:prSet presAssocID="{05B47EA7-D444-4C8F-8FD1-3716EC1E3A16}" presName="compNode" presStyleCnt="0"/>
@@ -1278,6 +1315,13 @@
     <dgm:pt modelId="{D24003EC-E430-4BBB-978F-8D425EC4F3C0}" type="pres">
       <dgm:prSet presAssocID="{13076FCC-CB98-4870-867E-445369245E03}" presName="sibTrans" presStyleLbl="sibTrans2D1" presStyleIdx="0" presStyleCnt="0"/>
       <dgm:spPr/>
+      <dgm:t>
+        <a:bodyPr/>
+        <a:lstStyle/>
+        <a:p>
+          <a:endParaRPr lang="ru-RU"/>
+        </a:p>
+      </dgm:t>
     </dgm:pt>
     <dgm:pt modelId="{2EBEBCB5-D6AF-44EE-9106-3C7DBB90ABAD}" type="pres">
       <dgm:prSet presAssocID="{397ADFAF-E1B9-4620-9579-3F84752D2E46}" presName="compNode" presStyleCnt="0"/>
@@ -1308,10 +1352,24 @@
         </dgm:presLayoutVars>
       </dgm:prSet>
       <dgm:spPr/>
+      <dgm:t>
+        <a:bodyPr/>
+        <a:lstStyle/>
+        <a:p>
+          <a:endParaRPr lang="ru-RU"/>
+        </a:p>
+      </dgm:t>
     </dgm:pt>
     <dgm:pt modelId="{96C616F5-6AE2-4854-8220-62A37F8FFEBA}" type="pres">
       <dgm:prSet presAssocID="{62CF990D-FAB6-4236-860B-BB1B74D50043}" presName="sibTrans" presStyleLbl="sibTrans2D1" presStyleIdx="0" presStyleCnt="0"/>
       <dgm:spPr/>
+      <dgm:t>
+        <a:bodyPr/>
+        <a:lstStyle/>
+        <a:p>
+          <a:endParaRPr lang="ru-RU"/>
+        </a:p>
+      </dgm:t>
     </dgm:pt>
     <dgm:pt modelId="{07BBEC3F-F5FB-44AA-BFE5-FD6983B2CE26}" type="pres">
       <dgm:prSet presAssocID="{50874D79-35BA-4105-95BE-B17F75AD7A22}" presName="compNode" presStyleCnt="0"/>
@@ -1353,8 +1411,8 @@
   </dgm:ptLst>
   <dgm:cxnLst>
     <dgm:cxn modelId="{D9297A92-2BCE-4DED-8242-6D6C5972AD5D}" type="presOf" srcId="{05B47EA7-D444-4C8F-8FD1-3716EC1E3A16}" destId="{6C375E8A-B045-4141-A279-CA2D86E38B25}" srcOrd="0" destOrd="0" presId="urn:microsoft.com/office/officeart/2005/8/layout/pList1"/>
+    <dgm:cxn modelId="{E70D9A87-6483-4F4E-A099-3B6192A48D6C}" type="presOf" srcId="{62CF990D-FAB6-4236-860B-BB1B74D50043}" destId="{96C616F5-6AE2-4854-8220-62A37F8FFEBA}" srcOrd="0" destOrd="0" presId="urn:microsoft.com/office/officeart/2005/8/layout/pList1"/>
     <dgm:cxn modelId="{0DBBE3F9-C1C5-4E4D-A2C1-3E182078A8F8}" type="presOf" srcId="{5B7BE4B3-62DA-4A3A-8F15-0BB75EB10CB8}" destId="{D9787801-9309-4709-8AFA-B9A25DBF821B}" srcOrd="0" destOrd="0" presId="urn:microsoft.com/office/officeart/2005/8/layout/pList1"/>
-    <dgm:cxn modelId="{E70D9A87-6483-4F4E-A099-3B6192A48D6C}" type="presOf" srcId="{62CF990D-FAB6-4236-860B-BB1B74D50043}" destId="{96C616F5-6AE2-4854-8220-62A37F8FFEBA}" srcOrd="0" destOrd="0" presId="urn:microsoft.com/office/officeart/2005/8/layout/pList1"/>
     <dgm:cxn modelId="{BEB5B45C-A138-44B6-B48E-F98665778D6E}" srcId="{C3686237-154D-473E-AC30-0B6423A4B10D}" destId="{50874D79-35BA-4105-95BE-B17F75AD7A22}" srcOrd="5" destOrd="0" parTransId="{DA074B2C-F537-45F1-A4C5-4CA95B983C73}" sibTransId="{E8827683-2359-4134-9FFB-2DA940EECDD7}"/>
     <dgm:cxn modelId="{1A0D1C34-9E02-43D0-AE54-BFE61D77FD9A}" srcId="{C3686237-154D-473E-AC30-0B6423A4B10D}" destId="{5B7BE4B3-62DA-4A3A-8F15-0BB75EB10CB8}" srcOrd="0" destOrd="0" parTransId="{ACA03C6E-6D89-47F8-B439-BD9A2FB24A69}" sibTransId="{349E1BEB-9484-4BF4-8B93-6B903B874091}"/>
     <dgm:cxn modelId="{DAE12A7E-FD38-4C19-A1C5-08C3570C0942}" type="presOf" srcId="{349E1BEB-9484-4BF4-8B93-6B903B874091}" destId="{AA961180-E12E-4DAE-B42B-239D0C0863BE}" srcOrd="0" destOrd="0" presId="urn:microsoft.com/office/officeart/2005/8/layout/pList1"/>
@@ -3466,7 +3524,7 @@
           <a:p>
             <a:fld id="{6AD882DB-88AF-4B2D-A302-DD2E33AB47E4}" type="datetimeFigureOut">
               <a:rPr lang="ru-RU" smtClean="0"/>
-              <a:t>21.10.2022</a:t>
+              <a:t>18.11.2022</a:t>
             </a:fld>
             <a:endParaRPr lang="ru-RU"/>
           </a:p>
@@ -3636,7 +3694,7 @@
           <a:p>
             <a:fld id="{6AD882DB-88AF-4B2D-A302-DD2E33AB47E4}" type="datetimeFigureOut">
               <a:rPr lang="ru-RU" smtClean="0"/>
-              <a:t>21.10.2022</a:t>
+              <a:t>18.11.2022</a:t>
             </a:fld>
             <a:endParaRPr lang="ru-RU"/>
           </a:p>
@@ -3816,7 +3874,7 @@
           <a:p>
             <a:fld id="{6AD882DB-88AF-4B2D-A302-DD2E33AB47E4}" type="datetimeFigureOut">
               <a:rPr lang="ru-RU" smtClean="0"/>
-              <a:t>21.10.2022</a:t>
+              <a:t>18.11.2022</a:t>
             </a:fld>
             <a:endParaRPr lang="ru-RU"/>
           </a:p>
@@ -3986,7 +4044,7 @@
           <a:p>
             <a:fld id="{6AD882DB-88AF-4B2D-A302-DD2E33AB47E4}" type="datetimeFigureOut">
               <a:rPr lang="ru-RU" smtClean="0"/>
-              <a:t>21.10.2022</a:t>
+              <a:t>18.11.2022</a:t>
             </a:fld>
             <a:endParaRPr lang="ru-RU"/>
           </a:p>
@@ -4232,7 +4290,7 @@
           <a:p>
             <a:fld id="{6AD882DB-88AF-4B2D-A302-DD2E33AB47E4}" type="datetimeFigureOut">
               <a:rPr lang="ru-RU" smtClean="0"/>
-              <a:t>21.10.2022</a:t>
+              <a:t>18.11.2022</a:t>
             </a:fld>
             <a:endParaRPr lang="ru-RU"/>
           </a:p>
@@ -4464,7 +4522,7 @@
           <a:p>
             <a:fld id="{6AD882DB-88AF-4B2D-A302-DD2E33AB47E4}" type="datetimeFigureOut">
               <a:rPr lang="ru-RU" smtClean="0"/>
-              <a:t>21.10.2022</a:t>
+              <a:t>18.11.2022</a:t>
             </a:fld>
             <a:endParaRPr lang="ru-RU"/>
           </a:p>
@@ -4831,7 +4889,7 @@
           <a:p>
             <a:fld id="{6AD882DB-88AF-4B2D-A302-DD2E33AB47E4}" type="datetimeFigureOut">
               <a:rPr lang="ru-RU" smtClean="0"/>
-              <a:t>21.10.2022</a:t>
+              <a:t>18.11.2022</a:t>
             </a:fld>
             <a:endParaRPr lang="ru-RU"/>
           </a:p>
@@ -4949,7 +5007,7 @@
           <a:p>
             <a:fld id="{6AD882DB-88AF-4B2D-A302-DD2E33AB47E4}" type="datetimeFigureOut">
               <a:rPr lang="ru-RU" smtClean="0"/>
-              <a:t>21.10.2022</a:t>
+              <a:t>18.11.2022</a:t>
             </a:fld>
             <a:endParaRPr lang="ru-RU"/>
           </a:p>
@@ -5044,7 +5102,7 @@
           <a:p>
             <a:fld id="{6AD882DB-88AF-4B2D-A302-DD2E33AB47E4}" type="datetimeFigureOut">
               <a:rPr lang="ru-RU" smtClean="0"/>
-              <a:t>21.10.2022</a:t>
+              <a:t>18.11.2022</a:t>
             </a:fld>
             <a:endParaRPr lang="ru-RU"/>
           </a:p>
@@ -5321,7 +5379,7 @@
           <a:p>
             <a:fld id="{6AD882DB-88AF-4B2D-A302-DD2E33AB47E4}" type="datetimeFigureOut">
               <a:rPr lang="ru-RU" smtClean="0"/>
-              <a:t>21.10.2022</a:t>
+              <a:t>18.11.2022</a:t>
             </a:fld>
             <a:endParaRPr lang="ru-RU"/>
           </a:p>
@@ -5578,7 +5636,7 @@
           <a:p>
             <a:fld id="{6AD882DB-88AF-4B2D-A302-DD2E33AB47E4}" type="datetimeFigureOut">
               <a:rPr lang="ru-RU" smtClean="0"/>
-              <a:t>21.10.2022</a:t>
+              <a:t>18.11.2022</a:t>
             </a:fld>
             <a:endParaRPr lang="ru-RU"/>
           </a:p>
@@ -5821,7 +5879,7 @@
           <a:p>
             <a:fld id="{6AD882DB-88AF-4B2D-A302-DD2E33AB47E4}" type="datetimeFigureOut">
               <a:rPr lang="ru-RU" smtClean="0"/>
-              <a:t>21.10.2022</a:t>
+              <a:t>18.11.2022</a:t>
             </a:fld>
             <a:endParaRPr lang="ru-RU"/>
           </a:p>
@@ -6228,18 +6286,863 @@
       </p:grpSpPr>
       <p:sp>
         <p:nvSpPr>
+          <p:cNvPr id="4" name="Подзаголовок 2"/>
+          <p:cNvSpPr txBox="1">
+            <a:spLocks/>
+          </p:cNvSpPr>
+          <p:nvPr/>
+        </p:nvSpPr>
+        <p:spPr>
+          <a:xfrm>
+            <a:off x="0" y="364595"/>
+            <a:ext cx="11912600" cy="2471737"/>
+          </a:xfrm>
+          <a:prstGeom prst="rect">
+            <a:avLst/>
+          </a:prstGeom>
+        </p:spPr>
+        <p:txBody>
+          <a:bodyPr vert="horz" lIns="91440" tIns="45720" rIns="91440" bIns="45720" rtlCol="0">
+            <a:normAutofit/>
+          </a:bodyPr>
+          <a:lstStyle>
+            <a:lvl1pPr marL="0" indent="0" algn="ctr" defTabSz="914400" rtl="0" eaLnBrk="1" latinLnBrk="0" hangingPunct="1">
+              <a:lnSpc>
+                <a:spcPct val="90000"/>
+              </a:lnSpc>
+              <a:spcBef>
+                <a:spcPts val="1000"/>
+              </a:spcBef>
+              <a:buFont typeface="Arial" panose="020B0604020202020204" pitchFamily="34" charset="0"/>
+              <a:buNone/>
+              <a:defRPr sz="2400" kern="1200">
+                <a:solidFill>
+                  <a:schemeClr val="tx1"/>
+                </a:solidFill>
+                <a:latin typeface="+mn-lt"/>
+                <a:ea typeface="+mn-ea"/>
+                <a:cs typeface="+mn-cs"/>
+              </a:defRPr>
+            </a:lvl1pPr>
+            <a:lvl2pPr marL="457200" indent="0" algn="ctr" defTabSz="914400" rtl="0" eaLnBrk="1" latinLnBrk="0" hangingPunct="1">
+              <a:lnSpc>
+                <a:spcPct val="90000"/>
+              </a:lnSpc>
+              <a:spcBef>
+                <a:spcPts val="500"/>
+              </a:spcBef>
+              <a:buFont typeface="Arial" panose="020B0604020202020204" pitchFamily="34" charset="0"/>
+              <a:buNone/>
+              <a:defRPr sz="2000" kern="1200">
+                <a:solidFill>
+                  <a:schemeClr val="tx1"/>
+                </a:solidFill>
+                <a:latin typeface="+mn-lt"/>
+                <a:ea typeface="+mn-ea"/>
+                <a:cs typeface="+mn-cs"/>
+              </a:defRPr>
+            </a:lvl2pPr>
+            <a:lvl3pPr marL="914400" indent="0" algn="ctr" defTabSz="914400" rtl="0" eaLnBrk="1" latinLnBrk="0" hangingPunct="1">
+              <a:lnSpc>
+                <a:spcPct val="90000"/>
+              </a:lnSpc>
+              <a:spcBef>
+                <a:spcPts val="500"/>
+              </a:spcBef>
+              <a:buFont typeface="Arial" panose="020B0604020202020204" pitchFamily="34" charset="0"/>
+              <a:buNone/>
+              <a:defRPr sz="1800" kern="1200">
+                <a:solidFill>
+                  <a:schemeClr val="tx1"/>
+                </a:solidFill>
+                <a:latin typeface="+mn-lt"/>
+                <a:ea typeface="+mn-ea"/>
+                <a:cs typeface="+mn-cs"/>
+              </a:defRPr>
+            </a:lvl3pPr>
+            <a:lvl4pPr marL="1371600" indent="0" algn="ctr" defTabSz="914400" rtl="0" eaLnBrk="1" latinLnBrk="0" hangingPunct="1">
+              <a:lnSpc>
+                <a:spcPct val="90000"/>
+              </a:lnSpc>
+              <a:spcBef>
+                <a:spcPts val="500"/>
+              </a:spcBef>
+              <a:buFont typeface="Arial" panose="020B0604020202020204" pitchFamily="34" charset="0"/>
+              <a:buNone/>
+              <a:defRPr sz="1600" kern="1200">
+                <a:solidFill>
+                  <a:schemeClr val="tx1"/>
+                </a:solidFill>
+                <a:latin typeface="+mn-lt"/>
+                <a:ea typeface="+mn-ea"/>
+                <a:cs typeface="+mn-cs"/>
+              </a:defRPr>
+            </a:lvl4pPr>
+            <a:lvl5pPr marL="1828800" indent="0" algn="ctr" defTabSz="914400" rtl="0" eaLnBrk="1" latinLnBrk="0" hangingPunct="1">
+              <a:lnSpc>
+                <a:spcPct val="90000"/>
+              </a:lnSpc>
+              <a:spcBef>
+                <a:spcPts val="500"/>
+              </a:spcBef>
+              <a:buFont typeface="Arial" panose="020B0604020202020204" pitchFamily="34" charset="0"/>
+              <a:buNone/>
+              <a:defRPr sz="1600" kern="1200">
+                <a:solidFill>
+                  <a:schemeClr val="tx1"/>
+                </a:solidFill>
+                <a:latin typeface="+mn-lt"/>
+                <a:ea typeface="+mn-ea"/>
+                <a:cs typeface="+mn-cs"/>
+              </a:defRPr>
+            </a:lvl5pPr>
+            <a:lvl6pPr marL="2286000" indent="0" algn="ctr" defTabSz="914400" rtl="0" eaLnBrk="1" latinLnBrk="0" hangingPunct="1">
+              <a:lnSpc>
+                <a:spcPct val="90000"/>
+              </a:lnSpc>
+              <a:spcBef>
+                <a:spcPts val="500"/>
+              </a:spcBef>
+              <a:buFont typeface="Arial" panose="020B0604020202020204" pitchFamily="34" charset="0"/>
+              <a:buNone/>
+              <a:defRPr sz="1600" kern="1200">
+                <a:solidFill>
+                  <a:schemeClr val="tx1"/>
+                </a:solidFill>
+                <a:latin typeface="+mn-lt"/>
+                <a:ea typeface="+mn-ea"/>
+                <a:cs typeface="+mn-cs"/>
+              </a:defRPr>
+            </a:lvl6pPr>
+            <a:lvl7pPr marL="2743200" indent="0" algn="ctr" defTabSz="914400" rtl="0" eaLnBrk="1" latinLnBrk="0" hangingPunct="1">
+              <a:lnSpc>
+                <a:spcPct val="90000"/>
+              </a:lnSpc>
+              <a:spcBef>
+                <a:spcPts val="500"/>
+              </a:spcBef>
+              <a:buFont typeface="Arial" panose="020B0604020202020204" pitchFamily="34" charset="0"/>
+              <a:buNone/>
+              <a:defRPr sz="1600" kern="1200">
+                <a:solidFill>
+                  <a:schemeClr val="tx1"/>
+                </a:solidFill>
+                <a:latin typeface="+mn-lt"/>
+                <a:ea typeface="+mn-ea"/>
+                <a:cs typeface="+mn-cs"/>
+              </a:defRPr>
+            </a:lvl7pPr>
+            <a:lvl8pPr marL="3200400" indent="0" algn="ctr" defTabSz="914400" rtl="0" eaLnBrk="1" latinLnBrk="0" hangingPunct="1">
+              <a:lnSpc>
+                <a:spcPct val="90000"/>
+              </a:lnSpc>
+              <a:spcBef>
+                <a:spcPts val="500"/>
+              </a:spcBef>
+              <a:buFont typeface="Arial" panose="020B0604020202020204" pitchFamily="34" charset="0"/>
+              <a:buNone/>
+              <a:defRPr sz="1600" kern="1200">
+                <a:solidFill>
+                  <a:schemeClr val="tx1"/>
+                </a:solidFill>
+                <a:latin typeface="+mn-lt"/>
+                <a:ea typeface="+mn-ea"/>
+                <a:cs typeface="+mn-cs"/>
+              </a:defRPr>
+            </a:lvl8pPr>
+            <a:lvl9pPr marL="3657600" indent="0" algn="ctr" defTabSz="914400" rtl="0" eaLnBrk="1" latinLnBrk="0" hangingPunct="1">
+              <a:lnSpc>
+                <a:spcPct val="90000"/>
+              </a:lnSpc>
+              <a:spcBef>
+                <a:spcPts val="500"/>
+              </a:spcBef>
+              <a:buFont typeface="Arial" panose="020B0604020202020204" pitchFamily="34" charset="0"/>
+              <a:buNone/>
+              <a:defRPr sz="1600" kern="1200">
+                <a:solidFill>
+                  <a:schemeClr val="tx1"/>
+                </a:solidFill>
+                <a:latin typeface="+mn-lt"/>
+                <a:ea typeface="+mn-ea"/>
+                <a:cs typeface="+mn-cs"/>
+              </a:defRPr>
+            </a:lvl9pPr>
+          </a:lstStyle>
+          <a:p>
+            <a:r>
+              <a:rPr lang="ru-RU" dirty="0" smtClean="0"/>
+              <a:t>Государственное общеобразовательное учреждение города Москвы «Школа 1329»</a:t>
+            </a:r>
+          </a:p>
+          <a:p>
+            <a:r>
+              <a:rPr lang="ru-RU" dirty="0" smtClean="0"/>
+              <a:t>Федеральное </a:t>
+            </a:r>
+            <a:r>
+              <a:rPr lang="ru-RU" dirty="0"/>
+              <a:t>государственное бюджетное образовательное учреждение высшего образования «МИРЭА - Российский технологический университет</a:t>
+            </a:r>
+            <a:r>
+              <a:rPr lang="ru-RU" dirty="0" smtClean="0"/>
+              <a:t>»</a:t>
+            </a:r>
+          </a:p>
+          <a:p>
+            <a:r>
+              <a:rPr lang="ru-RU" dirty="0" smtClean="0"/>
+              <a:t>Детский </a:t>
+            </a:r>
+            <a:r>
+              <a:rPr lang="ru-RU" dirty="0"/>
+              <a:t>технопарк «Альтаир».</a:t>
+            </a:r>
+          </a:p>
+        </p:txBody>
+      </p:sp>
+      <p:sp>
+        <p:nvSpPr>
+          <p:cNvPr id="6" name="Подзаголовок 2"/>
+          <p:cNvSpPr txBox="1">
+            <a:spLocks/>
+          </p:cNvSpPr>
+          <p:nvPr/>
+        </p:nvSpPr>
+        <p:spPr>
+          <a:xfrm>
+            <a:off x="7425266" y="4656667"/>
+            <a:ext cx="3509433" cy="1866900"/>
+          </a:xfrm>
+          <a:prstGeom prst="rect">
+            <a:avLst/>
+          </a:prstGeom>
+        </p:spPr>
+        <p:txBody>
+          <a:bodyPr vert="horz" lIns="91440" tIns="45720" rIns="91440" bIns="45720" rtlCol="0">
+            <a:normAutofit/>
+          </a:bodyPr>
+          <a:lstStyle>
+            <a:lvl1pPr marL="0" indent="0" algn="ctr" defTabSz="914400" rtl="0" eaLnBrk="1" latinLnBrk="0" hangingPunct="1">
+              <a:lnSpc>
+                <a:spcPct val="90000"/>
+              </a:lnSpc>
+              <a:spcBef>
+                <a:spcPts val="1000"/>
+              </a:spcBef>
+              <a:buFont typeface="Arial" panose="020B0604020202020204" pitchFamily="34" charset="0"/>
+              <a:buNone/>
+              <a:defRPr sz="2400" kern="1200">
+                <a:solidFill>
+                  <a:schemeClr val="tx1"/>
+                </a:solidFill>
+                <a:latin typeface="+mn-lt"/>
+                <a:ea typeface="+mn-ea"/>
+                <a:cs typeface="+mn-cs"/>
+              </a:defRPr>
+            </a:lvl1pPr>
+            <a:lvl2pPr marL="457200" indent="0" algn="ctr" defTabSz="914400" rtl="0" eaLnBrk="1" latinLnBrk="0" hangingPunct="1">
+              <a:lnSpc>
+                <a:spcPct val="90000"/>
+              </a:lnSpc>
+              <a:spcBef>
+                <a:spcPts val="500"/>
+              </a:spcBef>
+              <a:buFont typeface="Arial" panose="020B0604020202020204" pitchFamily="34" charset="0"/>
+              <a:buNone/>
+              <a:defRPr sz="2000" kern="1200">
+                <a:solidFill>
+                  <a:schemeClr val="tx1"/>
+                </a:solidFill>
+                <a:latin typeface="+mn-lt"/>
+                <a:ea typeface="+mn-ea"/>
+                <a:cs typeface="+mn-cs"/>
+              </a:defRPr>
+            </a:lvl2pPr>
+            <a:lvl3pPr marL="914400" indent="0" algn="ctr" defTabSz="914400" rtl="0" eaLnBrk="1" latinLnBrk="0" hangingPunct="1">
+              <a:lnSpc>
+                <a:spcPct val="90000"/>
+              </a:lnSpc>
+              <a:spcBef>
+                <a:spcPts val="500"/>
+              </a:spcBef>
+              <a:buFont typeface="Arial" panose="020B0604020202020204" pitchFamily="34" charset="0"/>
+              <a:buNone/>
+              <a:defRPr sz="1800" kern="1200">
+                <a:solidFill>
+                  <a:schemeClr val="tx1"/>
+                </a:solidFill>
+                <a:latin typeface="+mn-lt"/>
+                <a:ea typeface="+mn-ea"/>
+                <a:cs typeface="+mn-cs"/>
+              </a:defRPr>
+            </a:lvl3pPr>
+            <a:lvl4pPr marL="1371600" indent="0" algn="ctr" defTabSz="914400" rtl="0" eaLnBrk="1" latinLnBrk="0" hangingPunct="1">
+              <a:lnSpc>
+                <a:spcPct val="90000"/>
+              </a:lnSpc>
+              <a:spcBef>
+                <a:spcPts val="500"/>
+              </a:spcBef>
+              <a:buFont typeface="Arial" panose="020B0604020202020204" pitchFamily="34" charset="0"/>
+              <a:buNone/>
+              <a:defRPr sz="1600" kern="1200">
+                <a:solidFill>
+                  <a:schemeClr val="tx1"/>
+                </a:solidFill>
+                <a:latin typeface="+mn-lt"/>
+                <a:ea typeface="+mn-ea"/>
+                <a:cs typeface="+mn-cs"/>
+              </a:defRPr>
+            </a:lvl4pPr>
+            <a:lvl5pPr marL="1828800" indent="0" algn="ctr" defTabSz="914400" rtl="0" eaLnBrk="1" latinLnBrk="0" hangingPunct="1">
+              <a:lnSpc>
+                <a:spcPct val="90000"/>
+              </a:lnSpc>
+              <a:spcBef>
+                <a:spcPts val="500"/>
+              </a:spcBef>
+              <a:buFont typeface="Arial" panose="020B0604020202020204" pitchFamily="34" charset="0"/>
+              <a:buNone/>
+              <a:defRPr sz="1600" kern="1200">
+                <a:solidFill>
+                  <a:schemeClr val="tx1"/>
+                </a:solidFill>
+                <a:latin typeface="+mn-lt"/>
+                <a:ea typeface="+mn-ea"/>
+                <a:cs typeface="+mn-cs"/>
+              </a:defRPr>
+            </a:lvl5pPr>
+            <a:lvl6pPr marL="2286000" indent="0" algn="ctr" defTabSz="914400" rtl="0" eaLnBrk="1" latinLnBrk="0" hangingPunct="1">
+              <a:lnSpc>
+                <a:spcPct val="90000"/>
+              </a:lnSpc>
+              <a:spcBef>
+                <a:spcPts val="500"/>
+              </a:spcBef>
+              <a:buFont typeface="Arial" panose="020B0604020202020204" pitchFamily="34" charset="0"/>
+              <a:buNone/>
+              <a:defRPr sz="1600" kern="1200">
+                <a:solidFill>
+                  <a:schemeClr val="tx1"/>
+                </a:solidFill>
+                <a:latin typeface="+mn-lt"/>
+                <a:ea typeface="+mn-ea"/>
+                <a:cs typeface="+mn-cs"/>
+              </a:defRPr>
+            </a:lvl6pPr>
+            <a:lvl7pPr marL="2743200" indent="0" algn="ctr" defTabSz="914400" rtl="0" eaLnBrk="1" latinLnBrk="0" hangingPunct="1">
+              <a:lnSpc>
+                <a:spcPct val="90000"/>
+              </a:lnSpc>
+              <a:spcBef>
+                <a:spcPts val="500"/>
+              </a:spcBef>
+              <a:buFont typeface="Arial" panose="020B0604020202020204" pitchFamily="34" charset="0"/>
+              <a:buNone/>
+              <a:defRPr sz="1600" kern="1200">
+                <a:solidFill>
+                  <a:schemeClr val="tx1"/>
+                </a:solidFill>
+                <a:latin typeface="+mn-lt"/>
+                <a:ea typeface="+mn-ea"/>
+                <a:cs typeface="+mn-cs"/>
+              </a:defRPr>
+            </a:lvl7pPr>
+            <a:lvl8pPr marL="3200400" indent="0" algn="ctr" defTabSz="914400" rtl="0" eaLnBrk="1" latinLnBrk="0" hangingPunct="1">
+              <a:lnSpc>
+                <a:spcPct val="90000"/>
+              </a:lnSpc>
+              <a:spcBef>
+                <a:spcPts val="500"/>
+              </a:spcBef>
+              <a:buFont typeface="Arial" panose="020B0604020202020204" pitchFamily="34" charset="0"/>
+              <a:buNone/>
+              <a:defRPr sz="1600" kern="1200">
+                <a:solidFill>
+                  <a:schemeClr val="tx1"/>
+                </a:solidFill>
+                <a:latin typeface="+mn-lt"/>
+                <a:ea typeface="+mn-ea"/>
+                <a:cs typeface="+mn-cs"/>
+              </a:defRPr>
+            </a:lvl8pPr>
+            <a:lvl9pPr marL="3657600" indent="0" algn="ctr" defTabSz="914400" rtl="0" eaLnBrk="1" latinLnBrk="0" hangingPunct="1">
+              <a:lnSpc>
+                <a:spcPct val="90000"/>
+              </a:lnSpc>
+              <a:spcBef>
+                <a:spcPts val="500"/>
+              </a:spcBef>
+              <a:buFont typeface="Arial" panose="020B0604020202020204" pitchFamily="34" charset="0"/>
+              <a:buNone/>
+              <a:defRPr sz="1600" kern="1200">
+                <a:solidFill>
+                  <a:schemeClr val="tx1"/>
+                </a:solidFill>
+                <a:latin typeface="+mn-lt"/>
+                <a:ea typeface="+mn-ea"/>
+                <a:cs typeface="+mn-cs"/>
+              </a:defRPr>
+            </a:lvl9pPr>
+          </a:lstStyle>
+          <a:p>
+            <a:r>
+              <a:rPr lang="ru-RU" i="1" dirty="0" smtClean="0"/>
+              <a:t>Руководитель</a:t>
+            </a:r>
+            <a:r>
+              <a:rPr lang="en-US" i="1" dirty="0" smtClean="0"/>
+              <a:t>: </a:t>
+            </a:r>
+            <a:r>
+              <a:rPr lang="ru-RU" i="1" dirty="0" smtClean="0"/>
+              <a:t>_________</a:t>
+            </a:r>
+            <a:endParaRPr lang="en" i="1" dirty="0" smtClean="0"/>
+          </a:p>
+          <a:p>
+            <a:endParaRPr lang="ru-RU" dirty="0"/>
+          </a:p>
+        </p:txBody>
+      </p:sp>
+      <p:sp>
+        <p:nvSpPr>
+          <p:cNvPr id="7" name="Подзаголовок 2"/>
+          <p:cNvSpPr txBox="1">
+            <a:spLocks/>
+          </p:cNvSpPr>
+          <p:nvPr/>
+        </p:nvSpPr>
+        <p:spPr>
+          <a:xfrm>
+            <a:off x="1769533" y="4648200"/>
+            <a:ext cx="2988733" cy="1701272"/>
+          </a:xfrm>
+          <a:prstGeom prst="rect">
+            <a:avLst/>
+          </a:prstGeom>
+        </p:spPr>
+        <p:txBody>
+          <a:bodyPr vert="horz" lIns="91440" tIns="45720" rIns="91440" bIns="45720" rtlCol="0">
+            <a:normAutofit lnSpcReduction="10000"/>
+          </a:bodyPr>
+          <a:lstStyle>
+            <a:lvl1pPr marL="228600" indent="-228600" algn="l" defTabSz="914400" rtl="0" eaLnBrk="1" latinLnBrk="0" hangingPunct="1">
+              <a:lnSpc>
+                <a:spcPct val="90000"/>
+              </a:lnSpc>
+              <a:spcBef>
+                <a:spcPts val="1000"/>
+              </a:spcBef>
+              <a:buFont typeface="Arial" panose="020B0604020202020204" pitchFamily="34" charset="0"/>
+              <a:buChar char="•"/>
+              <a:defRPr sz="2800" kern="1200">
+                <a:solidFill>
+                  <a:schemeClr val="tx1"/>
+                </a:solidFill>
+                <a:latin typeface="+mn-lt"/>
+                <a:ea typeface="+mn-ea"/>
+                <a:cs typeface="+mn-cs"/>
+              </a:defRPr>
+            </a:lvl1pPr>
+            <a:lvl2pPr marL="685800" indent="-228600" algn="l" defTabSz="914400" rtl="0" eaLnBrk="1" latinLnBrk="0" hangingPunct="1">
+              <a:lnSpc>
+                <a:spcPct val="90000"/>
+              </a:lnSpc>
+              <a:spcBef>
+                <a:spcPts val="500"/>
+              </a:spcBef>
+              <a:buFont typeface="Arial" panose="020B0604020202020204" pitchFamily="34" charset="0"/>
+              <a:buChar char="•"/>
+              <a:defRPr sz="2400" kern="1200">
+                <a:solidFill>
+                  <a:schemeClr val="tx1"/>
+                </a:solidFill>
+                <a:latin typeface="+mn-lt"/>
+                <a:ea typeface="+mn-ea"/>
+                <a:cs typeface="+mn-cs"/>
+              </a:defRPr>
+            </a:lvl2pPr>
+            <a:lvl3pPr marL="1143000" indent="-228600" algn="l" defTabSz="914400" rtl="0" eaLnBrk="1" latinLnBrk="0" hangingPunct="1">
+              <a:lnSpc>
+                <a:spcPct val="90000"/>
+              </a:lnSpc>
+              <a:spcBef>
+                <a:spcPts val="500"/>
+              </a:spcBef>
+              <a:buFont typeface="Arial" panose="020B0604020202020204" pitchFamily="34" charset="0"/>
+              <a:buChar char="•"/>
+              <a:defRPr sz="2000" kern="1200">
+                <a:solidFill>
+                  <a:schemeClr val="tx1"/>
+                </a:solidFill>
+                <a:latin typeface="+mn-lt"/>
+                <a:ea typeface="+mn-ea"/>
+                <a:cs typeface="+mn-cs"/>
+              </a:defRPr>
+            </a:lvl3pPr>
+            <a:lvl4pPr marL="1600200" indent="-228600" algn="l" defTabSz="914400" rtl="0" eaLnBrk="1" latinLnBrk="0" hangingPunct="1">
+              <a:lnSpc>
+                <a:spcPct val="90000"/>
+              </a:lnSpc>
+              <a:spcBef>
+                <a:spcPts val="500"/>
+              </a:spcBef>
+              <a:buFont typeface="Arial" panose="020B0604020202020204" pitchFamily="34" charset="0"/>
+              <a:buChar char="•"/>
+              <a:defRPr sz="1800" kern="1200">
+                <a:solidFill>
+                  <a:schemeClr val="tx1"/>
+                </a:solidFill>
+                <a:latin typeface="+mn-lt"/>
+                <a:ea typeface="+mn-ea"/>
+                <a:cs typeface="+mn-cs"/>
+              </a:defRPr>
+            </a:lvl4pPr>
+            <a:lvl5pPr marL="2057400" indent="-228600" algn="l" defTabSz="914400" rtl="0" eaLnBrk="1" latinLnBrk="0" hangingPunct="1">
+              <a:lnSpc>
+                <a:spcPct val="90000"/>
+              </a:lnSpc>
+              <a:spcBef>
+                <a:spcPts val="500"/>
+              </a:spcBef>
+              <a:buFont typeface="Arial" panose="020B0604020202020204" pitchFamily="34" charset="0"/>
+              <a:buChar char="•"/>
+              <a:defRPr sz="1800" kern="1200">
+                <a:solidFill>
+                  <a:schemeClr val="tx1"/>
+                </a:solidFill>
+                <a:latin typeface="+mn-lt"/>
+                <a:ea typeface="+mn-ea"/>
+                <a:cs typeface="+mn-cs"/>
+              </a:defRPr>
+            </a:lvl5pPr>
+            <a:lvl6pPr marL="2514600" indent="-228600" algn="l" defTabSz="914400" rtl="0" eaLnBrk="1" latinLnBrk="0" hangingPunct="1">
+              <a:lnSpc>
+                <a:spcPct val="90000"/>
+              </a:lnSpc>
+              <a:spcBef>
+                <a:spcPts val="500"/>
+              </a:spcBef>
+              <a:buFont typeface="Arial" panose="020B0604020202020204" pitchFamily="34" charset="0"/>
+              <a:buChar char="•"/>
+              <a:defRPr sz="1800" kern="1200">
+                <a:solidFill>
+                  <a:schemeClr val="tx1"/>
+                </a:solidFill>
+                <a:latin typeface="+mn-lt"/>
+                <a:ea typeface="+mn-ea"/>
+                <a:cs typeface="+mn-cs"/>
+              </a:defRPr>
+            </a:lvl6pPr>
+            <a:lvl7pPr marL="2971800" indent="-228600" algn="l" defTabSz="914400" rtl="0" eaLnBrk="1" latinLnBrk="0" hangingPunct="1">
+              <a:lnSpc>
+                <a:spcPct val="90000"/>
+              </a:lnSpc>
+              <a:spcBef>
+                <a:spcPts val="500"/>
+              </a:spcBef>
+              <a:buFont typeface="Arial" panose="020B0604020202020204" pitchFamily="34" charset="0"/>
+              <a:buChar char="•"/>
+              <a:defRPr sz="1800" kern="1200">
+                <a:solidFill>
+                  <a:schemeClr val="tx1"/>
+                </a:solidFill>
+                <a:latin typeface="+mn-lt"/>
+                <a:ea typeface="+mn-ea"/>
+                <a:cs typeface="+mn-cs"/>
+              </a:defRPr>
+            </a:lvl7pPr>
+            <a:lvl8pPr marL="3429000" indent="-228600" algn="l" defTabSz="914400" rtl="0" eaLnBrk="1" latinLnBrk="0" hangingPunct="1">
+              <a:lnSpc>
+                <a:spcPct val="90000"/>
+              </a:lnSpc>
+              <a:spcBef>
+                <a:spcPts val="500"/>
+              </a:spcBef>
+              <a:buFont typeface="Arial" panose="020B0604020202020204" pitchFamily="34" charset="0"/>
+              <a:buChar char="•"/>
+              <a:defRPr sz="1800" kern="1200">
+                <a:solidFill>
+                  <a:schemeClr val="tx1"/>
+                </a:solidFill>
+                <a:latin typeface="+mn-lt"/>
+                <a:ea typeface="+mn-ea"/>
+                <a:cs typeface="+mn-cs"/>
+              </a:defRPr>
+            </a:lvl8pPr>
+            <a:lvl9pPr marL="3886200" indent="-228600" algn="l" defTabSz="914400" rtl="0" eaLnBrk="1" latinLnBrk="0" hangingPunct="1">
+              <a:lnSpc>
+                <a:spcPct val="90000"/>
+              </a:lnSpc>
+              <a:spcBef>
+                <a:spcPts val="500"/>
+              </a:spcBef>
+              <a:buFont typeface="Arial" panose="020B0604020202020204" pitchFamily="34" charset="0"/>
+              <a:buChar char="•"/>
+              <a:defRPr sz="1800" kern="1200">
+                <a:solidFill>
+                  <a:schemeClr val="tx1"/>
+                </a:solidFill>
+                <a:latin typeface="+mn-lt"/>
+                <a:ea typeface="+mn-ea"/>
+                <a:cs typeface="+mn-cs"/>
+              </a:defRPr>
+            </a:lvl9pPr>
+          </a:lstStyle>
+          <a:p>
+            <a:pPr marL="0" indent="0">
+              <a:buNone/>
+            </a:pPr>
+            <a:r>
+              <a:rPr lang="ru-RU" sz="2400" dirty="0" smtClean="0"/>
+              <a:t>Работа выполнена </a:t>
+            </a:r>
+            <a:r>
+              <a:rPr lang="ru-RU" sz="2400" dirty="0" err="1" smtClean="0"/>
+              <a:t>Ботялиной</a:t>
+            </a:r>
+            <a:r>
+              <a:rPr lang="ru-RU" sz="2400" dirty="0" smtClean="0"/>
+              <a:t> Дарьей, ученицей «10т» класса ГБОУ школы 1329</a:t>
+            </a:r>
+            <a:endParaRPr lang="ru-RU" sz="2400" dirty="0" smtClean="0"/>
+          </a:p>
+        </p:txBody>
+      </p:sp>
+      <p:sp>
+        <p:nvSpPr>
+          <p:cNvPr id="8" name="Заголовок 1"/>
+          <p:cNvSpPr txBox="1">
+            <a:spLocks/>
+          </p:cNvSpPr>
+          <p:nvPr/>
+        </p:nvSpPr>
+        <p:spPr>
+          <a:xfrm>
+            <a:off x="2135716" y="2573867"/>
+            <a:ext cx="8392583" cy="1244600"/>
+          </a:xfrm>
+          <a:prstGeom prst="rect">
+            <a:avLst/>
+          </a:prstGeom>
+          <a:gradFill flip="none" rotWithShape="1">
+            <a:gsLst>
+              <a:gs pos="0">
+                <a:schemeClr val="accent2">
+                  <a:lumMod val="5000"/>
+                  <a:lumOff val="95000"/>
+                </a:schemeClr>
+              </a:gs>
+              <a:gs pos="74000">
+                <a:schemeClr val="accent2">
+                  <a:lumMod val="45000"/>
+                  <a:lumOff val="55000"/>
+                </a:schemeClr>
+              </a:gs>
+              <a:gs pos="83000">
+                <a:schemeClr val="accent2">
+                  <a:lumMod val="45000"/>
+                  <a:lumOff val="55000"/>
+                </a:schemeClr>
+              </a:gs>
+              <a:gs pos="100000">
+                <a:schemeClr val="accent2">
+                  <a:lumMod val="30000"/>
+                  <a:lumOff val="70000"/>
+                </a:schemeClr>
+              </a:gs>
+            </a:gsLst>
+            <a:path path="circle">
+              <a:fillToRect r="100000" b="100000"/>
+            </a:path>
+            <a:tileRect l="-100000" t="-100000"/>
+          </a:gradFill>
+          <a:ln>
+            <a:noFill/>
+          </a:ln>
+          <a:effectLst>
+            <a:glow rad="127000">
+              <a:schemeClr val="accent2">
+                <a:lumMod val="40000"/>
+                <a:lumOff val="60000"/>
+                <a:alpha val="22000"/>
+              </a:schemeClr>
+            </a:glow>
+            <a:softEdge rad="393700"/>
+          </a:effectLst>
+        </p:spPr>
+        <p:txBody>
+          <a:bodyPr vert="horz" lIns="91440" tIns="45720" rIns="91440" bIns="45720" rtlCol="0" anchor="ctr">
+            <a:noAutofit/>
+          </a:bodyPr>
+          <a:lstStyle>
+            <a:lvl1pPr algn="l" defTabSz="914400" rtl="0" eaLnBrk="1" latinLnBrk="0" hangingPunct="1">
+              <a:lnSpc>
+                <a:spcPct val="90000"/>
+              </a:lnSpc>
+              <a:spcBef>
+                <a:spcPct val="0"/>
+              </a:spcBef>
+              <a:buNone/>
+              <a:defRPr sz="4400" kern="1200">
+                <a:solidFill>
+                  <a:schemeClr val="tx1"/>
+                </a:solidFill>
+                <a:latin typeface="+mj-lt"/>
+                <a:ea typeface="+mj-ea"/>
+                <a:cs typeface="+mj-cs"/>
+              </a:defRPr>
+            </a:lvl1pPr>
+          </a:lstStyle>
+          <a:p>
+            <a:r>
+              <a:rPr lang="en-US" sz="8000" dirty="0" smtClean="0"/>
+              <a:t>VolunteerSeach.ru</a:t>
+            </a:r>
+            <a:endParaRPr lang="ru-RU" sz="8000" dirty="0"/>
+          </a:p>
+        </p:txBody>
+      </p:sp>
+      <p:sp>
+        <p:nvSpPr>
+          <p:cNvPr id="9" name="Заголовок 1"/>
+          <p:cNvSpPr txBox="1">
+            <a:spLocks/>
+          </p:cNvSpPr>
+          <p:nvPr/>
+        </p:nvSpPr>
+        <p:spPr>
+          <a:xfrm>
+            <a:off x="2288117" y="3505199"/>
+            <a:ext cx="3079750" cy="465667"/>
+          </a:xfrm>
+          <a:prstGeom prst="rect">
+            <a:avLst/>
+          </a:prstGeom>
+          <a:gradFill flip="none" rotWithShape="1">
+            <a:gsLst>
+              <a:gs pos="0">
+                <a:schemeClr val="accent2">
+                  <a:lumMod val="0"/>
+                  <a:lumOff val="100000"/>
+                </a:schemeClr>
+              </a:gs>
+              <a:gs pos="35000">
+                <a:schemeClr val="accent2">
+                  <a:lumMod val="0"/>
+                  <a:lumOff val="100000"/>
+                </a:schemeClr>
+              </a:gs>
+              <a:gs pos="100000">
+                <a:schemeClr val="accent2">
+                  <a:lumMod val="100000"/>
+                </a:schemeClr>
+              </a:gs>
+            </a:gsLst>
+            <a:path path="circle">
+              <a:fillToRect l="50000" t="-80000" r="50000" b="180000"/>
+            </a:path>
+            <a:tileRect/>
+          </a:gradFill>
+          <a:ln>
+            <a:noFill/>
+          </a:ln>
+          <a:effectLst>
+            <a:glow rad="127000">
+              <a:schemeClr val="accent2">
+                <a:lumMod val="40000"/>
+                <a:lumOff val="60000"/>
+                <a:alpha val="22000"/>
+              </a:schemeClr>
+            </a:glow>
+            <a:softEdge rad="393700"/>
+          </a:effectLst>
+        </p:spPr>
+        <p:txBody>
+          <a:bodyPr vert="horz" lIns="91440" tIns="45720" rIns="91440" bIns="45720" rtlCol="0" anchor="ctr">
+            <a:noAutofit/>
+          </a:bodyPr>
+          <a:lstStyle>
+            <a:lvl1pPr algn="l" defTabSz="914400" rtl="0" eaLnBrk="1" latinLnBrk="0" hangingPunct="1">
+              <a:lnSpc>
+                <a:spcPct val="90000"/>
+              </a:lnSpc>
+              <a:spcBef>
+                <a:spcPct val="0"/>
+              </a:spcBef>
+              <a:buNone/>
+              <a:defRPr sz="4400" kern="1200">
+                <a:solidFill>
+                  <a:schemeClr val="tx1"/>
+                </a:solidFill>
+                <a:latin typeface="+mj-lt"/>
+                <a:ea typeface="+mj-ea"/>
+                <a:cs typeface="+mj-cs"/>
+              </a:defRPr>
+            </a:lvl1pPr>
+          </a:lstStyle>
+          <a:p>
+            <a:r>
+              <a:rPr lang="ru-RU" sz="1600" dirty="0" smtClean="0"/>
+              <a:t>Портал для поиска волонтеров</a:t>
+            </a:r>
+            <a:endParaRPr lang="ru-RU" sz="1600" dirty="0"/>
+          </a:p>
+        </p:txBody>
+      </p:sp>
+    </p:spTree>
+    <p:extLst>
+      <p:ext uri="{BB962C8B-B14F-4D97-AF65-F5344CB8AC3E}">
+        <p14:creationId xmlns:p14="http://schemas.microsoft.com/office/powerpoint/2010/main" val="3760270563"/>
+      </p:ext>
+    </p:extLst>
+  </p:cSld>
+  <p:clrMapOvr>
+    <a:masterClrMapping/>
+  </p:clrMapOvr>
+  <p:timing>
+    <p:tnLst>
+      <p:par>
+        <p:cTn id="1" dur="indefinite" restart="never" nodeType="tmRoot"/>
+      </p:par>
+    </p:tnLst>
+  </p:timing>
+</p:sld>
+</file>
+
+<file path=ppt/slides/slide10.xml><?xml version="1.0" encoding="utf-8"?>
+<p:sld xmlns:a="http://schemas.openxmlformats.org/drawingml/2006/main" xmlns:r="http://schemas.openxmlformats.org/officeDocument/2006/relationships" xmlns:p="http://schemas.openxmlformats.org/presentationml/2006/main">
+  <p:cSld>
+    <p:spTree>
+      <p:nvGrpSpPr>
+        <p:cNvPr id="1" name=""/>
+        <p:cNvGrpSpPr/>
+        <p:nvPr/>
+      </p:nvGrpSpPr>
+      <p:grpSpPr>
+        <a:xfrm>
+          <a:off x="0" y="0"/>
+          <a:ext cx="0" cy="0"/>
+          <a:chOff x="0" y="0"/>
+          <a:chExt cx="0" cy="0"/>
+        </a:xfrm>
+      </p:grpSpPr>
+      <p:sp>
+        <p:nvSpPr>
           <p:cNvPr id="2" name="Заголовок 1"/>
           <p:cNvSpPr>
             <a:spLocks noGrp="1"/>
           </p:cNvSpPr>
           <p:nvPr>
-            <p:ph type="ctrTitle"/>
+            <p:ph type="title"/>
           </p:nvPr>
         </p:nvSpPr>
         <p:spPr>
           <a:xfrm>
-            <a:off x="1524000" y="1092200"/>
-            <a:ext cx="9144000" cy="1198563"/>
+            <a:off x="838200" y="365125"/>
+            <a:ext cx="3797300" cy="1325563"/>
           </a:xfrm>
         </p:spPr>
         <p:txBody>
@@ -6247,8 +7150,8 @@
           <a:lstStyle/>
           <a:p>
             <a:r>
-              <a:rPr lang="en-US" dirty="0" smtClean="0"/>
-              <a:t>VolunteerSeach.ru</a:t>
+              <a:rPr lang="ru-RU" dirty="0" smtClean="0"/>
+              <a:t>Результаты</a:t>
             </a:r>
             <a:endParaRPr lang="ru-RU" dirty="0"/>
           </a:p>
@@ -6256,39 +7159,83 @@
       </p:sp>
       <p:sp>
         <p:nvSpPr>
-          <p:cNvPr id="3" name="Подзаголовок 2"/>
-          <p:cNvSpPr>
-            <a:spLocks noGrp="1"/>
-          </p:cNvSpPr>
-          <p:nvPr>
-            <p:ph type="subTitle" idx="1"/>
-          </p:nvPr>
+          <p:cNvPr id="5" name="TextBox 4"/>
+          <p:cNvSpPr txBox="1"/>
+          <p:nvPr/>
         </p:nvSpPr>
         <p:spPr>
           <a:xfrm>
-            <a:off x="1524000" y="2290763"/>
-            <a:ext cx="9144000" cy="1655762"/>
+            <a:off x="1676400" y="2441526"/>
+            <a:ext cx="5232400" cy="2677656"/>
+          </a:xfrm>
+          <a:prstGeom prst="rect">
+            <a:avLst/>
+          </a:prstGeom>
+          <a:noFill/>
+        </p:spPr>
+        <p:txBody>
+          <a:bodyPr wrap="square" rtlCol="0">
+            <a:spAutoFit/>
+          </a:bodyPr>
+          <a:lstStyle/>
+          <a:p>
+            <a:r>
+              <a:rPr lang="ru-RU" sz="2400" dirty="0" smtClean="0"/>
+              <a:t>В перспективе сайт </a:t>
+            </a:r>
+            <a:r>
+              <a:rPr lang="ru-RU" sz="2400" dirty="0"/>
+              <a:t>м</a:t>
+            </a:r>
+            <a:r>
+              <a:rPr lang="ru-RU" sz="2400" dirty="0" smtClean="0"/>
+              <a:t>ожет иметь международный характер, организации часто ищут волонтеров из других стран</a:t>
+            </a:r>
+          </a:p>
+          <a:p>
+            <a:endParaRPr lang="ru-RU" sz="2400" dirty="0" smtClean="0"/>
+          </a:p>
+          <a:p>
+            <a:r>
+              <a:rPr lang="ru-RU" sz="2400" dirty="0" smtClean="0"/>
+              <a:t>Также планируется создание мобильного приложения</a:t>
+            </a:r>
+            <a:endParaRPr lang="ru-RU" sz="2400" dirty="0"/>
+          </a:p>
+        </p:txBody>
+      </p:sp>
+      <p:pic>
+        <p:nvPicPr>
+          <p:cNvPr id="6" name="Объект 5"/>
+          <p:cNvPicPr>
+            <a:picLocks noGrp="1" noChangeAspect="1"/>
+          </p:cNvPicPr>
+          <p:nvPr>
+            <p:ph idx="1"/>
+          </p:nvPr>
+        </p:nvPicPr>
+        <p:blipFill rotWithShape="1">
+          <a:blip r:embed="rId2" cstate="print">
+            <a:extLst>
+              <a:ext uri="{28A0092B-C50C-407E-A947-70E740481C1C}">
+                <a14:useLocalDpi xmlns:a14="http://schemas.microsoft.com/office/drawing/2010/main" val="0"/>
+              </a:ext>
+            </a:extLst>
+          </a:blip>
+          <a:srcRect t="6511" b="9384"/>
+          <a:stretch/>
+        </p:blipFill>
+        <p:spPr>
+          <a:xfrm>
+            <a:off x="6908800" y="1690688"/>
+            <a:ext cx="4194496" cy="3810000"/>
           </a:xfrm>
         </p:spPr>
-        <p:txBody>
-          <a:bodyPr/>
-          <a:lstStyle/>
-          <a:p>
-            <a:r>
-              <a:rPr lang="ru-RU" i="1" dirty="0"/>
-              <a:t>портал для создания наборов и регистрации на волонтерские мероприятия</a:t>
-            </a:r>
-            <a:endParaRPr lang="en" i="1" dirty="0"/>
-          </a:p>
-          <a:p>
-            <a:endParaRPr lang="ru-RU" dirty="0"/>
-          </a:p>
-        </p:txBody>
-      </p:sp>
+      </p:pic>
     </p:spTree>
     <p:extLst>
       <p:ext uri="{BB962C8B-B14F-4D97-AF65-F5344CB8AC3E}">
-        <p14:creationId xmlns:p14="http://schemas.microsoft.com/office/powerpoint/2010/main" val="4117857481"/>
+        <p14:creationId xmlns:p14="http://schemas.microsoft.com/office/powerpoint/2010/main" val="2766155146"/>
       </p:ext>
     </p:extLst>
   </p:cSld>
@@ -6324,6 +7271,352 @@
       </p:grpSpPr>
       <p:sp>
         <p:nvSpPr>
+          <p:cNvPr id="6" name="TextBox 5"/>
+          <p:cNvSpPr txBox="1"/>
+          <p:nvPr/>
+        </p:nvSpPr>
+        <p:spPr>
+          <a:xfrm>
+            <a:off x="838200" y="1651000"/>
+            <a:ext cx="10198100" cy="1785104"/>
+          </a:xfrm>
+          <a:prstGeom prst="rect">
+            <a:avLst/>
+          </a:prstGeom>
+          <a:noFill/>
+        </p:spPr>
+        <p:txBody>
+          <a:bodyPr wrap="square" rtlCol="0">
+            <a:spAutoFit/>
+          </a:bodyPr>
+          <a:lstStyle/>
+          <a:p>
+            <a:r>
+              <a:rPr lang="ru-RU" sz="2200" dirty="0" smtClean="0"/>
+              <a:t>Тема </a:t>
+            </a:r>
+            <a:r>
+              <a:rPr lang="ru-RU" sz="2200" dirty="0" err="1" smtClean="0"/>
+              <a:t>волонтерства</a:t>
+            </a:r>
+            <a:r>
+              <a:rPr lang="ru-RU" sz="2200" dirty="0" smtClean="0"/>
+              <a:t> все больше набирает популярность – </a:t>
+            </a:r>
+            <a:r>
+              <a:rPr lang="ru-RU" sz="2200" dirty="0" smtClean="0"/>
+              <a:t>для одних </a:t>
+            </a:r>
+            <a:r>
+              <a:rPr lang="ru-RU" sz="2200" dirty="0" smtClean="0"/>
+              <a:t>это возможность хорошо провести время, занимаясь добрым делом, другим – получить такую необходимую помощь. В </a:t>
+            </a:r>
+            <a:r>
+              <a:rPr lang="ru-RU" sz="2200" dirty="0"/>
+              <a:t>в</a:t>
+            </a:r>
+            <a:r>
+              <a:rPr lang="ru-RU" sz="2200" dirty="0" smtClean="0"/>
+              <a:t>ек</a:t>
+            </a:r>
+            <a:r>
+              <a:rPr lang="ru-RU" sz="2200" dirty="0" smtClean="0"/>
+              <a:t> цифровых технологий этот круговорот добра можно расширить, создав удобную площадку для поиска и публикации волонтерских объявлений.</a:t>
+            </a:r>
+            <a:endParaRPr lang="ru-RU" sz="2200" dirty="0"/>
+          </a:p>
+        </p:txBody>
+      </p:sp>
+      <p:sp>
+        <p:nvSpPr>
+          <p:cNvPr id="9" name="Заголовок 1"/>
+          <p:cNvSpPr txBox="1">
+            <a:spLocks/>
+          </p:cNvSpPr>
+          <p:nvPr/>
+        </p:nvSpPr>
+        <p:spPr>
+          <a:xfrm>
+            <a:off x="704850" y="301625"/>
+            <a:ext cx="5232400" cy="1031875"/>
+          </a:xfrm>
+          <a:prstGeom prst="rect">
+            <a:avLst/>
+          </a:prstGeom>
+        </p:spPr>
+        <p:txBody>
+          <a:bodyPr vert="horz" lIns="91440" tIns="45720" rIns="91440" bIns="45720" rtlCol="0" anchor="b">
+            <a:noAutofit/>
+          </a:bodyPr>
+          <a:lstStyle>
+            <a:lvl1pPr algn="ctr" defTabSz="914400" rtl="0" eaLnBrk="1" latinLnBrk="0" hangingPunct="1">
+              <a:lnSpc>
+                <a:spcPct val="90000"/>
+              </a:lnSpc>
+              <a:spcBef>
+                <a:spcPct val="0"/>
+              </a:spcBef>
+              <a:buNone/>
+              <a:defRPr sz="6000" kern="1200">
+                <a:solidFill>
+                  <a:schemeClr val="tx1"/>
+                </a:solidFill>
+                <a:latin typeface="+mj-lt"/>
+                <a:ea typeface="+mj-ea"/>
+                <a:cs typeface="+mj-cs"/>
+              </a:defRPr>
+            </a:lvl1pPr>
+          </a:lstStyle>
+          <a:p>
+            <a:r>
+              <a:rPr lang="ru-RU" sz="4400" dirty="0" smtClean="0"/>
+              <a:t>Актуальность работы</a:t>
+            </a:r>
+            <a:endParaRPr lang="ru-RU" sz="4400" dirty="0"/>
+          </a:p>
+        </p:txBody>
+      </p:sp>
+    </p:spTree>
+    <p:extLst>
+      <p:ext uri="{BB962C8B-B14F-4D97-AF65-F5344CB8AC3E}">
+        <p14:creationId xmlns:p14="http://schemas.microsoft.com/office/powerpoint/2010/main" val="3342357988"/>
+      </p:ext>
+    </p:extLst>
+  </p:cSld>
+  <p:clrMapOvr>
+    <a:masterClrMapping/>
+  </p:clrMapOvr>
+  <p:timing>
+    <p:tnLst>
+      <p:par>
+        <p:cTn id="1" dur="indefinite" restart="never" nodeType="tmRoot"/>
+      </p:par>
+    </p:tnLst>
+  </p:timing>
+</p:sld>
+</file>
+
+<file path=ppt/slides/slide3.xml><?xml version="1.0" encoding="utf-8"?>
+<p:sld xmlns:a="http://schemas.openxmlformats.org/drawingml/2006/main" xmlns:r="http://schemas.openxmlformats.org/officeDocument/2006/relationships" xmlns:p="http://schemas.openxmlformats.org/presentationml/2006/main">
+  <p:cSld>
+    <p:spTree>
+      <p:nvGrpSpPr>
+        <p:cNvPr id="1" name=""/>
+        <p:cNvGrpSpPr/>
+        <p:nvPr/>
+      </p:nvGrpSpPr>
+      <p:grpSpPr>
+        <a:xfrm>
+          <a:off x="0" y="0"/>
+          <a:ext cx="0" cy="0"/>
+          <a:chOff x="0" y="0"/>
+          <a:chExt cx="0" cy="0"/>
+        </a:xfrm>
+      </p:grpSpPr>
+      <p:sp>
+        <p:nvSpPr>
+          <p:cNvPr id="2" name="Заголовок 1"/>
+          <p:cNvSpPr>
+            <a:spLocks noGrp="1"/>
+          </p:cNvSpPr>
+          <p:nvPr>
+            <p:ph type="title"/>
+          </p:nvPr>
+        </p:nvSpPr>
+        <p:spPr>
+          <a:xfrm>
+            <a:off x="838200" y="365125"/>
+            <a:ext cx="5232400" cy="1325563"/>
+          </a:xfrm>
+        </p:spPr>
+        <p:txBody>
+          <a:bodyPr/>
+          <a:lstStyle/>
+          <a:p>
+            <a:r>
+              <a:rPr lang="ru-RU" dirty="0" smtClean="0"/>
+              <a:t>Актуальность работы</a:t>
+            </a:r>
+            <a:endParaRPr lang="ru-RU" dirty="0"/>
+          </a:p>
+        </p:txBody>
+      </p:sp>
+      <p:sp>
+        <p:nvSpPr>
+          <p:cNvPr id="5" name="TextBox 4"/>
+          <p:cNvSpPr txBox="1"/>
+          <p:nvPr/>
+        </p:nvSpPr>
+        <p:spPr>
+          <a:xfrm>
+            <a:off x="838200" y="1690688"/>
+            <a:ext cx="5486400" cy="4524315"/>
+          </a:xfrm>
+          <a:prstGeom prst="rect">
+            <a:avLst/>
+          </a:prstGeom>
+          <a:noFill/>
+        </p:spPr>
+        <p:txBody>
+          <a:bodyPr wrap="square" rtlCol="0">
+            <a:spAutoFit/>
+          </a:bodyPr>
+          <a:lstStyle/>
+          <a:p>
+            <a:r>
+              <a:rPr lang="ru-RU" sz="2400" dirty="0" smtClean="0"/>
+              <a:t>На данный момент компании при привлечении добровольцев сталкивается с рядом трудностей</a:t>
+            </a:r>
+            <a:r>
+              <a:rPr lang="en-US" sz="2400" dirty="0" smtClean="0"/>
+              <a:t>:</a:t>
+            </a:r>
+            <a:endParaRPr lang="en-US" sz="2400" dirty="0"/>
+          </a:p>
+          <a:p>
+            <a:pPr marL="342900" indent="-342900">
+              <a:buFont typeface="Arial" panose="020B0604020202020204" pitchFamily="34" charset="0"/>
+              <a:buChar char="•"/>
+            </a:pPr>
+            <a:r>
+              <a:rPr lang="ru-RU" sz="2400" dirty="0" smtClean="0"/>
+              <a:t>На сайтах приходится ждать долгого одобрения заявки от площадки</a:t>
+            </a:r>
+          </a:p>
+          <a:p>
+            <a:pPr marL="342900" indent="-342900">
+              <a:buFont typeface="Arial" panose="020B0604020202020204" pitchFamily="34" charset="0"/>
+              <a:buChar char="•"/>
+            </a:pPr>
+            <a:r>
+              <a:rPr lang="ru-RU" sz="2400" dirty="0" smtClean="0"/>
+              <a:t>Пользоваться не очень удобными инструментами для связи с заинтересованными людьми</a:t>
+            </a:r>
+          </a:p>
+          <a:p>
+            <a:pPr marL="342900" indent="-342900">
+              <a:buFont typeface="Arial" panose="020B0604020202020204" pitchFamily="34" charset="0"/>
+              <a:buChar char="•"/>
+            </a:pPr>
+            <a:r>
+              <a:rPr lang="ru-RU" sz="2400" dirty="0" smtClean="0"/>
+              <a:t>Мало вспомогательных функций</a:t>
+            </a:r>
+          </a:p>
+          <a:p>
+            <a:pPr marL="342900" indent="-342900">
+              <a:buFont typeface="Arial" panose="020B0604020202020204" pitchFamily="34" charset="0"/>
+              <a:buChar char="•"/>
+            </a:pPr>
+            <a:endParaRPr lang="ru-RU" sz="2400" dirty="0" smtClean="0"/>
+          </a:p>
+          <a:p>
+            <a:r>
+              <a:rPr lang="ru-RU" sz="2400" dirty="0" smtClean="0"/>
+              <a:t>	Нужно найти решение, чтобы 	избавиться от этих проблем!</a:t>
+            </a:r>
+            <a:endParaRPr lang="en-US" sz="2400" dirty="0" smtClean="0"/>
+          </a:p>
+        </p:txBody>
+      </p:sp>
+      <p:pic>
+        <p:nvPicPr>
+          <p:cNvPr id="7" name="Объект 6"/>
+          <p:cNvPicPr>
+            <a:picLocks noGrp="1" noChangeAspect="1"/>
+          </p:cNvPicPr>
+          <p:nvPr>
+            <p:ph idx="1"/>
+          </p:nvPr>
+        </p:nvPicPr>
+        <p:blipFill>
+          <a:blip r:embed="rId2">
+            <a:extLst>
+              <a:ext uri="{28A0092B-C50C-407E-A947-70E740481C1C}">
+                <a14:useLocalDpi xmlns:a14="http://schemas.microsoft.com/office/drawing/2010/main" val="0"/>
+              </a:ext>
+            </a:extLst>
+          </a:blip>
+          <a:stretch>
+            <a:fillRect/>
+          </a:stretch>
+        </p:blipFill>
+        <p:spPr>
+          <a:xfrm>
+            <a:off x="7021487" y="365125"/>
+            <a:ext cx="4766997" cy="3753723"/>
+          </a:xfrm>
+        </p:spPr>
+      </p:pic>
+      <p:pic>
+        <p:nvPicPr>
+          <p:cNvPr id="3" name="Рисунок 2"/>
+          <p:cNvPicPr>
+            <a:picLocks noChangeAspect="1"/>
+          </p:cNvPicPr>
+          <p:nvPr/>
+        </p:nvPicPr>
+        <p:blipFill>
+          <a:blip r:embed="rId3">
+            <a:extLst>
+              <a:ext uri="{28A0092B-C50C-407E-A947-70E740481C1C}">
+                <a14:useLocalDpi xmlns:a14="http://schemas.microsoft.com/office/drawing/2010/main" val="0"/>
+              </a:ext>
+            </a:extLst>
+          </a:blip>
+          <a:stretch>
+            <a:fillRect/>
+          </a:stretch>
+        </p:blipFill>
+        <p:spPr>
+          <a:xfrm>
+            <a:off x="6324600" y="2091640"/>
+            <a:ext cx="4390989" cy="4054416"/>
+          </a:xfrm>
+          <a:prstGeom prst="rect">
+            <a:avLst/>
+          </a:prstGeom>
+        </p:spPr>
+      </p:pic>
+    </p:spTree>
+    <p:extLst>
+      <p:ext uri="{BB962C8B-B14F-4D97-AF65-F5344CB8AC3E}">
+        <p14:creationId xmlns:p14="http://schemas.microsoft.com/office/powerpoint/2010/main" val="1229423890"/>
+      </p:ext>
+    </p:extLst>
+  </p:cSld>
+  <p:clrMapOvr>
+    <a:masterClrMapping/>
+  </p:clrMapOvr>
+  <p:timing>
+    <p:tnLst>
+      <p:par>
+        <p:cTn id="1" dur="indefinite" restart="never" nodeType="tmRoot"/>
+      </p:par>
+    </p:tnLst>
+  </p:timing>
+</p:sld>
+</file>
+
+<file path=ppt/slides/slide4.xml><?xml version="1.0" encoding="utf-8"?>
+<p:sld xmlns:a="http://schemas.openxmlformats.org/drawingml/2006/main" xmlns:r="http://schemas.openxmlformats.org/officeDocument/2006/relationships" xmlns:p="http://schemas.openxmlformats.org/presentationml/2006/main">
+  <p:cSld>
+    <p:spTree>
+      <p:nvGrpSpPr>
+        <p:cNvPr id="1" name=""/>
+        <p:cNvGrpSpPr/>
+        <p:nvPr/>
+      </p:nvGrpSpPr>
+      <p:grpSpPr>
+        <a:xfrm>
+          <a:off x="0" y="0"/>
+          <a:ext cx="0" cy="0"/>
+          <a:chOff x="0" y="0"/>
+          <a:chExt cx="0" cy="0"/>
+        </a:xfrm>
+      </p:grpSpPr>
+      <p:sp>
+        <p:nvSpPr>
           <p:cNvPr id="2" name="Заголовок 1"/>
           <p:cNvSpPr>
             <a:spLocks noGrp="1"/>
@@ -6358,8 +7651,8 @@
         </p:nvSpPr>
         <p:spPr>
           <a:xfrm>
-            <a:off x="838200" y="1690688"/>
-            <a:ext cx="5232400" cy="2585323"/>
+            <a:off x="1155700" y="1526219"/>
+            <a:ext cx="5232400" cy="3416320"/>
           </a:xfrm>
           <a:prstGeom prst="rect">
             <a:avLst/>
@@ -6372,20 +7665,25 @@
           </a:bodyPr>
           <a:lstStyle/>
           <a:p>
-            <a:endParaRPr lang="ru-RU" dirty="0"/>
-          </a:p>
-          <a:p>
+            <a:r>
+              <a:rPr lang="ru-RU" sz="2400" dirty="0" smtClean="0"/>
+              <a:t>Сайт, на котором р</a:t>
+            </a:r>
+            <a:r>
+              <a:rPr lang="ru-RU" sz="2400" dirty="0" smtClean="0"/>
+              <a:t>азные </a:t>
+            </a:r>
+            <a:r>
+              <a:rPr lang="ru-RU" sz="2400" dirty="0" smtClean="0"/>
+              <a:t>компании, государственные учреждения, частные лица публикуют </a:t>
+            </a:r>
+            <a:r>
+              <a:rPr lang="ru-RU" sz="2400" dirty="0" smtClean="0"/>
+              <a:t>различные </a:t>
+            </a:r>
             <a:r>
               <a:rPr lang="ru-RU" sz="2400" dirty="0"/>
-              <a:t>Разные </a:t>
-            </a:r>
-            <a:r>
-              <a:rPr lang="ru-RU" sz="2400" dirty="0" smtClean="0"/>
-              <a:t>компании, государственные учреждения, частные лица публикуют на сайте </a:t>
-            </a:r>
-            <a:r>
-              <a:rPr lang="ru-RU" sz="2400" dirty="0"/>
-              <a:t>различные мероприятия </a:t>
+              <a:t>мероприятия </a:t>
             </a:r>
             <a:r>
               <a:rPr lang="ru-RU" sz="2400" dirty="0" smtClean="0"/>
@@ -6405,7 +7703,20 @@
             </a:r>
             <a:r>
               <a:rPr lang="ru-RU" sz="2400" dirty="0" smtClean="0"/>
-              <a:t>участвовать, подавать заявки</a:t>
+              <a:t>участвовать, подавать </a:t>
+            </a:r>
+            <a:r>
+              <a:rPr lang="ru-RU" sz="2400" dirty="0" smtClean="0"/>
+              <a:t>заявки</a:t>
+            </a:r>
+          </a:p>
+          <a:p>
+            <a:endParaRPr lang="ru-RU" sz="2400" dirty="0" smtClean="0"/>
+          </a:p>
+          <a:p>
+            <a:r>
+              <a:rPr lang="ru-RU" sz="2400" dirty="0" smtClean="0"/>
+              <a:t>Далее будут показаны несколько задач, который реализуются в проекте</a:t>
             </a:r>
             <a:endParaRPr lang="ru-RU" sz="2400" dirty="0"/>
           </a:p>
@@ -6460,7 +7771,7 @@
 </p:sld>
 </file>
 
-<file path=ppt/slides/slide3.xml><?xml version="1.0" encoding="utf-8"?>
+<file path=ppt/slides/slide5.xml><?xml version="1.0" encoding="utf-8"?>
 <p:sld xmlns:a="http://schemas.openxmlformats.org/drawingml/2006/main" xmlns:r="http://schemas.openxmlformats.org/officeDocument/2006/relationships" xmlns:p="http://schemas.openxmlformats.org/presentationml/2006/main">
   <p:cSld>
     <p:spTree>
@@ -6610,94 +7921,7 @@
 </p:sld>
 </file>
 
-<file path=ppt/slides/slide4.xml><?xml version="1.0" encoding="utf-8"?>
-<p:sld xmlns:a="http://schemas.openxmlformats.org/drawingml/2006/main" xmlns:r="http://schemas.openxmlformats.org/officeDocument/2006/relationships" xmlns:p="http://schemas.openxmlformats.org/presentationml/2006/main">
-  <p:cSld>
-    <p:spTree>
-      <p:nvGrpSpPr>
-        <p:cNvPr id="1" name=""/>
-        <p:cNvGrpSpPr/>
-        <p:nvPr/>
-      </p:nvGrpSpPr>
-      <p:grpSpPr>
-        <a:xfrm>
-          <a:off x="0" y="0"/>
-          <a:ext cx="0" cy="0"/>
-          <a:chOff x="0" y="0"/>
-          <a:chExt cx="0" cy="0"/>
-        </a:xfrm>
-      </p:grpSpPr>
-      <p:sp>
-        <p:nvSpPr>
-          <p:cNvPr id="2" name="Заголовок 1"/>
-          <p:cNvSpPr>
-            <a:spLocks noGrp="1"/>
-          </p:cNvSpPr>
-          <p:nvPr>
-            <p:ph type="title"/>
-          </p:nvPr>
-        </p:nvSpPr>
-        <p:spPr>
-          <a:xfrm>
-            <a:off x="838200" y="365125"/>
-            <a:ext cx="6642100" cy="1325563"/>
-          </a:xfrm>
-        </p:spPr>
-        <p:txBody>
-          <a:bodyPr/>
-          <a:lstStyle/>
-          <a:p>
-            <a:r>
-              <a:rPr lang="ru-RU" dirty="0" smtClean="0"/>
-              <a:t>Используемые технологии</a:t>
-            </a:r>
-            <a:endParaRPr lang="ru-RU" dirty="0"/>
-          </a:p>
-        </p:txBody>
-      </p:sp>
-      <p:graphicFrame>
-        <p:nvGraphicFramePr>
-          <p:cNvPr id="3" name="Схема 2"/>
-          <p:cNvGraphicFramePr/>
-          <p:nvPr>
-            <p:extLst>
-              <p:ext uri="{D42A27DB-BD31-4B8C-83A1-F6EECF244321}">
-                <p14:modId xmlns:p14="http://schemas.microsoft.com/office/powerpoint/2010/main" val="1813111401"/>
-              </p:ext>
-            </p:extLst>
-          </p:nvPr>
-        </p:nvGraphicFramePr>
-        <p:xfrm>
-          <a:off x="1600200" y="1717676"/>
-          <a:ext cx="8623300" cy="4506912"/>
-        </p:xfrm>
-        <a:graphic>
-          <a:graphicData uri="http://schemas.openxmlformats.org/drawingml/2006/diagram">
-            <dgm:relIds xmlns:dgm="http://schemas.openxmlformats.org/drawingml/2006/diagram" xmlns:r="http://schemas.openxmlformats.org/officeDocument/2006/relationships" r:dm="rId2" r:lo="rId3" r:qs="rId4" r:cs="rId5"/>
-          </a:graphicData>
-        </a:graphic>
-      </p:graphicFrame>
-    </p:spTree>
-    <p:extLst>
-      <p:ext uri="{BB962C8B-B14F-4D97-AF65-F5344CB8AC3E}">
-        <p14:creationId xmlns:p14="http://schemas.microsoft.com/office/powerpoint/2010/main" val="1398709647"/>
-      </p:ext>
-    </p:extLst>
-  </p:cSld>
-  <p:clrMapOvr>
-    <a:masterClrMapping/>
-  </p:clrMapOvr>
-  <p:timing>
-    <p:tnLst>
-      <p:par>
-        <p:cTn id="1" dur="indefinite" restart="never" nodeType="tmRoot"/>
-      </p:par>
-    </p:tnLst>
-  </p:timing>
-</p:sld>
-</file>
-
-<file path=ppt/slides/slide5.xml><?xml version="1.0" encoding="utf-8"?>
+<file path=ppt/slides/slide6.xml><?xml version="1.0" encoding="utf-8"?>
 <p:sld xmlns:a="http://schemas.openxmlformats.org/drawingml/2006/main" xmlns:r="http://schemas.openxmlformats.org/officeDocument/2006/relationships" xmlns:p="http://schemas.openxmlformats.org/presentationml/2006/main">
   <p:cSld>
     <p:spTree>
@@ -6798,7 +8022,7 @@
             </a:r>
             <a:r>
               <a:rPr lang="ru-RU" sz="2400" dirty="0" err="1" smtClean="0"/>
-              <a:t>волонтёрством</a:t>
+              <a:t>волонтерством</a:t>
             </a:r>
             <a:endParaRPr lang="ru-RU" sz="2400" dirty="0" smtClean="0"/>
           </a:p>
@@ -6834,7 +8058,7 @@
 </p:sld>
 </file>
 
-<file path=ppt/slides/slide6.xml><?xml version="1.0" encoding="utf-8"?>
+<file path=ppt/slides/slide7.xml><?xml version="1.0" encoding="utf-8"?>
 <p:sld xmlns:a="http://schemas.openxmlformats.org/drawingml/2006/main" xmlns:r="http://schemas.openxmlformats.org/officeDocument/2006/relationships" xmlns:p="http://schemas.openxmlformats.org/presentationml/2006/main">
   <p:cSld>
     <p:spTree>
@@ -6873,7 +8097,1696 @@
           <a:p>
             <a:r>
               <a:rPr lang="ru-RU" dirty="0" smtClean="0"/>
-              <a:t>Перспективы</a:t>
+              <a:t>Этапы работы</a:t>
+            </a:r>
+            <a:endParaRPr lang="ru-RU" dirty="0"/>
+          </a:p>
+        </p:txBody>
+      </p:sp>
+      <p:grpSp>
+        <p:nvGrpSpPr>
+          <p:cNvPr id="6" name="Группа 5"/>
+          <p:cNvGrpSpPr/>
+          <p:nvPr/>
+        </p:nvGrpSpPr>
+        <p:grpSpPr>
+          <a:xfrm>
+            <a:off x="-114299" y="1690688"/>
+            <a:ext cx="12065000" cy="4469481"/>
+            <a:chOff x="60073" y="1916586"/>
+            <a:chExt cx="11208066" cy="4407095"/>
+          </a:xfrm>
+        </p:grpSpPr>
+        <p:sp>
+          <p:nvSpPr>
+            <p:cNvPr id="8" name="Скругленный прямоугольник 7"/>
+            <p:cNvSpPr/>
+            <p:nvPr/>
+          </p:nvSpPr>
+          <p:spPr>
+            <a:xfrm>
+              <a:off x="60073" y="1969679"/>
+              <a:ext cx="1976399" cy="1976399"/>
+            </a:xfrm>
+            <a:prstGeom prst="roundRect">
+              <a:avLst>
+                <a:gd name="adj" fmla="val 10000"/>
+              </a:avLst>
+            </a:prstGeom>
+            <a:blipFill>
+              <a:blip r:embed="rId2">
+                <a:extLst>
+                  <a:ext uri="{28A0092B-C50C-407E-A947-70E740481C1C}">
+                    <a14:useLocalDpi xmlns:a14="http://schemas.microsoft.com/office/drawing/2010/main" val="0"/>
+                  </a:ext>
+                </a:extLst>
+              </a:blip>
+              <a:srcRect/>
+              <a:stretch>
+                <a:fillRect/>
+              </a:stretch>
+            </a:blipFill>
+          </p:spPr>
+          <p:style>
+            <a:lnRef idx="0">
+              <a:schemeClr val="lt1">
+                <a:hueOff val="0"/>
+                <a:satOff val="0"/>
+                <a:lumOff val="0"/>
+                <a:alphaOff val="0"/>
+              </a:schemeClr>
+            </a:lnRef>
+            <a:fillRef idx="1">
+              <a:scrgbClr r="0" g="0" b="0"/>
+            </a:fillRef>
+            <a:effectRef idx="2">
+              <a:schemeClr val="accent2">
+                <a:tint val="50000"/>
+                <a:hueOff val="0"/>
+                <a:satOff val="0"/>
+                <a:lumOff val="0"/>
+                <a:alphaOff val="0"/>
+              </a:schemeClr>
+            </a:effectRef>
+            <a:fontRef idx="minor">
+              <a:schemeClr val="lt1">
+                <a:hueOff val="0"/>
+                <a:satOff val="0"/>
+                <a:lumOff val="0"/>
+                <a:alphaOff val="0"/>
+              </a:schemeClr>
+            </a:fontRef>
+          </p:style>
+        </p:sp>
+        <p:sp>
+          <p:nvSpPr>
+            <p:cNvPr id="9" name="Полилиния 8"/>
+            <p:cNvSpPr/>
+            <p:nvPr/>
+          </p:nvSpPr>
+          <p:spPr>
+            <a:xfrm>
+              <a:off x="716381" y="3447538"/>
+              <a:ext cx="1976399" cy="2774543"/>
+            </a:xfrm>
+            <a:custGeom>
+              <a:avLst/>
+              <a:gdLst>
+                <a:gd name="connsiteX0" fmla="*/ 0 w 1976399"/>
+                <a:gd name="connsiteY0" fmla="*/ 197640 h 2707785"/>
+                <a:gd name="connsiteX1" fmla="*/ 197640 w 1976399"/>
+                <a:gd name="connsiteY1" fmla="*/ 0 h 2707785"/>
+                <a:gd name="connsiteX2" fmla="*/ 1778759 w 1976399"/>
+                <a:gd name="connsiteY2" fmla="*/ 0 h 2707785"/>
+                <a:gd name="connsiteX3" fmla="*/ 1976399 w 1976399"/>
+                <a:gd name="connsiteY3" fmla="*/ 197640 h 2707785"/>
+                <a:gd name="connsiteX4" fmla="*/ 1976399 w 1976399"/>
+                <a:gd name="connsiteY4" fmla="*/ 2510145 h 2707785"/>
+                <a:gd name="connsiteX5" fmla="*/ 1778759 w 1976399"/>
+                <a:gd name="connsiteY5" fmla="*/ 2707785 h 2707785"/>
+                <a:gd name="connsiteX6" fmla="*/ 197640 w 1976399"/>
+                <a:gd name="connsiteY6" fmla="*/ 2707785 h 2707785"/>
+                <a:gd name="connsiteX7" fmla="*/ 0 w 1976399"/>
+                <a:gd name="connsiteY7" fmla="*/ 2510145 h 2707785"/>
+                <a:gd name="connsiteX8" fmla="*/ 0 w 1976399"/>
+                <a:gd name="connsiteY8" fmla="*/ 197640 h 2707785"/>
+              </a:gdLst>
+              <a:ahLst/>
+              <a:cxnLst>
+                <a:cxn ang="0">
+                  <a:pos x="connsiteX0" y="connsiteY0"/>
+                </a:cxn>
+                <a:cxn ang="0">
+                  <a:pos x="connsiteX1" y="connsiteY1"/>
+                </a:cxn>
+                <a:cxn ang="0">
+                  <a:pos x="connsiteX2" y="connsiteY2"/>
+                </a:cxn>
+                <a:cxn ang="0">
+                  <a:pos x="connsiteX3" y="connsiteY3"/>
+                </a:cxn>
+                <a:cxn ang="0">
+                  <a:pos x="connsiteX4" y="connsiteY4"/>
+                </a:cxn>
+                <a:cxn ang="0">
+                  <a:pos x="connsiteX5" y="connsiteY5"/>
+                </a:cxn>
+                <a:cxn ang="0">
+                  <a:pos x="connsiteX6" y="connsiteY6"/>
+                </a:cxn>
+                <a:cxn ang="0">
+                  <a:pos x="connsiteX7" y="connsiteY7"/>
+                </a:cxn>
+                <a:cxn ang="0">
+                  <a:pos x="connsiteX8" y="connsiteY8"/>
+                </a:cxn>
+              </a:cxnLst>
+              <a:rect l="l" t="t" r="r" b="b"/>
+              <a:pathLst>
+                <a:path w="1976399" h="2707785">
+                  <a:moveTo>
+                    <a:pt x="0" y="197640"/>
+                  </a:moveTo>
+                  <a:cubicBezTo>
+                    <a:pt x="0" y="88486"/>
+                    <a:pt x="88486" y="0"/>
+                    <a:pt x="197640" y="0"/>
+                  </a:cubicBezTo>
+                  <a:lnTo>
+                    <a:pt x="1778759" y="0"/>
+                  </a:lnTo>
+                  <a:cubicBezTo>
+                    <a:pt x="1887913" y="0"/>
+                    <a:pt x="1976399" y="88486"/>
+                    <a:pt x="1976399" y="197640"/>
+                  </a:cubicBezTo>
+                  <a:lnTo>
+                    <a:pt x="1976399" y="2510145"/>
+                  </a:lnTo>
+                  <a:cubicBezTo>
+                    <a:pt x="1976399" y="2619299"/>
+                    <a:pt x="1887913" y="2707785"/>
+                    <a:pt x="1778759" y="2707785"/>
+                  </a:cubicBezTo>
+                  <a:lnTo>
+                    <a:pt x="197640" y="2707785"/>
+                  </a:lnTo>
+                  <a:cubicBezTo>
+                    <a:pt x="88486" y="2707785"/>
+                    <a:pt x="0" y="2619299"/>
+                    <a:pt x="0" y="2510145"/>
+                  </a:cubicBezTo>
+                  <a:lnTo>
+                    <a:pt x="0" y="197640"/>
+                  </a:lnTo>
+                  <a:close/>
+                </a:path>
+              </a:pathLst>
+            </a:custGeom>
+          </p:spPr>
+          <p:style>
+            <a:lnRef idx="0">
+              <a:schemeClr val="lt1">
+                <a:hueOff val="0"/>
+                <a:satOff val="0"/>
+                <a:lumOff val="0"/>
+                <a:alphaOff val="0"/>
+              </a:schemeClr>
+            </a:lnRef>
+            <a:fillRef idx="3">
+              <a:schemeClr val="accent2">
+                <a:hueOff val="0"/>
+                <a:satOff val="0"/>
+                <a:lumOff val="0"/>
+                <a:alphaOff val="0"/>
+              </a:schemeClr>
+            </a:fillRef>
+            <a:effectRef idx="2">
+              <a:schemeClr val="accent2">
+                <a:hueOff val="0"/>
+                <a:satOff val="0"/>
+                <a:lumOff val="0"/>
+                <a:alphaOff val="0"/>
+              </a:schemeClr>
+            </a:effectRef>
+            <a:fontRef idx="minor">
+              <a:schemeClr val="lt1"/>
+            </a:fontRef>
+          </p:style>
+          <p:txBody>
+            <a:bodyPr spcFirstLastPara="0" vert="horz" wrap="square" lIns="134087" tIns="134087" rIns="134087" bIns="134087" numCol="1" spcCol="1270" anchor="t" anchorCtr="0">
+              <a:noAutofit/>
+            </a:bodyPr>
+            <a:lstStyle/>
+            <a:p>
+              <a:pPr lvl="0" algn="l" defTabSz="889000">
+                <a:lnSpc>
+                  <a:spcPct val="90000"/>
+                </a:lnSpc>
+                <a:spcBef>
+                  <a:spcPct val="0"/>
+                </a:spcBef>
+                <a:spcAft>
+                  <a:spcPct val="35000"/>
+                </a:spcAft>
+              </a:pPr>
+              <a:r>
+                <a:rPr lang="ru-RU" sz="2000" kern="1200" dirty="0" smtClean="0"/>
+                <a:t>Подготовка к разработке</a:t>
+              </a:r>
+              <a:endParaRPr lang="ru-RU" sz="2000" kern="1200" dirty="0"/>
+            </a:p>
+            <a:p>
+              <a:pPr marL="171450" lvl="1" indent="-171450" algn="l" defTabSz="711200">
+                <a:lnSpc>
+                  <a:spcPct val="90000"/>
+                </a:lnSpc>
+                <a:spcBef>
+                  <a:spcPct val="0"/>
+                </a:spcBef>
+                <a:spcAft>
+                  <a:spcPct val="15000"/>
+                </a:spcAft>
+                <a:buChar char="••"/>
+              </a:pPr>
+              <a:r>
+                <a:rPr lang="ru-RU" sz="1600" kern="1200" dirty="0" smtClean="0"/>
+                <a:t>Сформировать идею проекта, обсудить с руководителем</a:t>
+              </a:r>
+              <a:endParaRPr lang="ru-RU" sz="1600" kern="1200" dirty="0"/>
+            </a:p>
+            <a:p>
+              <a:pPr marL="171450" lvl="1" indent="-171450" algn="l" defTabSz="711200">
+                <a:lnSpc>
+                  <a:spcPct val="90000"/>
+                </a:lnSpc>
+                <a:spcBef>
+                  <a:spcPct val="0"/>
+                </a:spcBef>
+                <a:spcAft>
+                  <a:spcPct val="15000"/>
+                </a:spcAft>
+                <a:buChar char="••"/>
+              </a:pPr>
+              <a:r>
+                <a:rPr lang="ru-RU" sz="1600" kern="1200" dirty="0" smtClean="0"/>
+                <a:t>Создать облако, аккаунт в </a:t>
+              </a:r>
+              <a:r>
+                <a:rPr lang="en-US" sz="1600" kern="1200" dirty="0" err="1" smtClean="0"/>
+                <a:t>Github</a:t>
+              </a:r>
+              <a:endParaRPr lang="ru-RU" sz="1600" kern="1200" dirty="0"/>
+            </a:p>
+            <a:p>
+              <a:pPr marL="171450" lvl="1" indent="-171450" algn="l" defTabSz="711200">
+                <a:lnSpc>
+                  <a:spcPct val="90000"/>
+                </a:lnSpc>
+                <a:spcBef>
+                  <a:spcPct val="0"/>
+                </a:spcBef>
+                <a:spcAft>
+                  <a:spcPct val="15000"/>
+                </a:spcAft>
+                <a:buChar char="••"/>
+              </a:pPr>
+              <a:r>
+                <a:rPr lang="ru-RU" sz="1600" kern="1200" dirty="0" smtClean="0"/>
+                <a:t>Сделать дизайн в </a:t>
+              </a:r>
+              <a:r>
+                <a:rPr lang="en-US" sz="1600" kern="1200" dirty="0" err="1" smtClean="0"/>
+                <a:t>Figma</a:t>
+              </a:r>
+              <a:endParaRPr lang="ru-RU" sz="1600" kern="1200" dirty="0"/>
+            </a:p>
+          </p:txBody>
+        </p:sp>
+        <p:sp>
+          <p:nvSpPr>
+            <p:cNvPr id="10" name="Полилиния 9"/>
+            <p:cNvSpPr/>
+            <p:nvPr/>
+          </p:nvSpPr>
+          <p:spPr>
+            <a:xfrm rot="21570262">
+              <a:off x="2220817" y="2720429"/>
+              <a:ext cx="331818" cy="474901"/>
+            </a:xfrm>
+            <a:custGeom>
+              <a:avLst/>
+              <a:gdLst>
+                <a:gd name="connsiteX0" fmla="*/ 0 w 331818"/>
+                <a:gd name="connsiteY0" fmla="*/ 94980 h 474901"/>
+                <a:gd name="connsiteX1" fmla="*/ 165909 w 331818"/>
+                <a:gd name="connsiteY1" fmla="*/ 94980 h 474901"/>
+                <a:gd name="connsiteX2" fmla="*/ 165909 w 331818"/>
+                <a:gd name="connsiteY2" fmla="*/ 0 h 474901"/>
+                <a:gd name="connsiteX3" fmla="*/ 331818 w 331818"/>
+                <a:gd name="connsiteY3" fmla="*/ 237451 h 474901"/>
+                <a:gd name="connsiteX4" fmla="*/ 165909 w 331818"/>
+                <a:gd name="connsiteY4" fmla="*/ 474901 h 474901"/>
+                <a:gd name="connsiteX5" fmla="*/ 165909 w 331818"/>
+                <a:gd name="connsiteY5" fmla="*/ 379921 h 474901"/>
+                <a:gd name="connsiteX6" fmla="*/ 0 w 331818"/>
+                <a:gd name="connsiteY6" fmla="*/ 379921 h 474901"/>
+                <a:gd name="connsiteX7" fmla="*/ 0 w 331818"/>
+                <a:gd name="connsiteY7" fmla="*/ 94980 h 474901"/>
+              </a:gdLst>
+              <a:ahLst/>
+              <a:cxnLst>
+                <a:cxn ang="0">
+                  <a:pos x="connsiteX0" y="connsiteY0"/>
+                </a:cxn>
+                <a:cxn ang="0">
+                  <a:pos x="connsiteX1" y="connsiteY1"/>
+                </a:cxn>
+                <a:cxn ang="0">
+                  <a:pos x="connsiteX2" y="connsiteY2"/>
+                </a:cxn>
+                <a:cxn ang="0">
+                  <a:pos x="connsiteX3" y="connsiteY3"/>
+                </a:cxn>
+                <a:cxn ang="0">
+                  <a:pos x="connsiteX4" y="connsiteY4"/>
+                </a:cxn>
+                <a:cxn ang="0">
+                  <a:pos x="connsiteX5" y="connsiteY5"/>
+                </a:cxn>
+                <a:cxn ang="0">
+                  <a:pos x="connsiteX6" y="connsiteY6"/>
+                </a:cxn>
+                <a:cxn ang="0">
+                  <a:pos x="connsiteX7" y="connsiteY7"/>
+                </a:cxn>
+              </a:cxnLst>
+              <a:rect l="l" t="t" r="r" b="b"/>
+              <a:pathLst>
+                <a:path w="331818" h="474901">
+                  <a:moveTo>
+                    <a:pt x="0" y="94980"/>
+                  </a:moveTo>
+                  <a:lnTo>
+                    <a:pt x="165909" y="94980"/>
+                  </a:lnTo>
+                  <a:lnTo>
+                    <a:pt x="165909" y="0"/>
+                  </a:lnTo>
+                  <a:lnTo>
+                    <a:pt x="331818" y="237451"/>
+                  </a:lnTo>
+                  <a:lnTo>
+                    <a:pt x="165909" y="474901"/>
+                  </a:lnTo>
+                  <a:lnTo>
+                    <a:pt x="165909" y="379921"/>
+                  </a:lnTo>
+                  <a:lnTo>
+                    <a:pt x="0" y="379921"/>
+                  </a:lnTo>
+                  <a:lnTo>
+                    <a:pt x="0" y="94980"/>
+                  </a:lnTo>
+                  <a:close/>
+                </a:path>
+              </a:pathLst>
+            </a:custGeom>
+          </p:spPr>
+          <p:style>
+            <a:lnRef idx="0">
+              <a:schemeClr val="lt1">
+                <a:hueOff val="0"/>
+                <a:satOff val="0"/>
+                <a:lumOff val="0"/>
+                <a:alphaOff val="0"/>
+              </a:schemeClr>
+            </a:lnRef>
+            <a:fillRef idx="3">
+              <a:schemeClr val="accent2">
+                <a:hueOff val="0"/>
+                <a:satOff val="0"/>
+                <a:lumOff val="0"/>
+                <a:alphaOff val="0"/>
+              </a:schemeClr>
+            </a:fillRef>
+            <a:effectRef idx="2">
+              <a:schemeClr val="accent2">
+                <a:hueOff val="0"/>
+                <a:satOff val="0"/>
+                <a:lumOff val="0"/>
+                <a:alphaOff val="0"/>
+              </a:schemeClr>
+            </a:effectRef>
+            <a:fontRef idx="minor">
+              <a:schemeClr val="lt1"/>
+            </a:fontRef>
+          </p:style>
+          <p:txBody>
+            <a:bodyPr spcFirstLastPara="0" vert="horz" wrap="square" lIns="0" tIns="94980" rIns="99544" bIns="94979" numCol="1" spcCol="1270" anchor="ctr" anchorCtr="0">
+              <a:noAutofit/>
+            </a:bodyPr>
+            <a:lstStyle/>
+            <a:p>
+              <a:pPr lvl="0" algn="ctr" defTabSz="889000">
+                <a:lnSpc>
+                  <a:spcPct val="90000"/>
+                </a:lnSpc>
+                <a:spcBef>
+                  <a:spcPct val="0"/>
+                </a:spcBef>
+                <a:spcAft>
+                  <a:spcPct val="35000"/>
+                </a:spcAft>
+              </a:pPr>
+              <a:endParaRPr lang="ru-RU" sz="2000" kern="1200"/>
+            </a:p>
+          </p:txBody>
+        </p:sp>
+        <p:sp>
+          <p:nvSpPr>
+            <p:cNvPr id="11" name="Скругленный прямоугольник 10"/>
+            <p:cNvSpPr/>
+            <p:nvPr/>
+          </p:nvSpPr>
+          <p:spPr>
+            <a:xfrm>
+              <a:off x="2837034" y="1957236"/>
+              <a:ext cx="1976399" cy="1976399"/>
+            </a:xfrm>
+            <a:prstGeom prst="roundRect">
+              <a:avLst>
+                <a:gd name="adj" fmla="val 10000"/>
+              </a:avLst>
+            </a:prstGeom>
+            <a:blipFill>
+              <a:blip r:embed="rId3">
+                <a:extLst>
+                  <a:ext uri="{28A0092B-C50C-407E-A947-70E740481C1C}">
+                    <a14:useLocalDpi xmlns:a14="http://schemas.microsoft.com/office/drawing/2010/main" val="0"/>
+                  </a:ext>
+                </a:extLst>
+              </a:blip>
+              <a:srcRect/>
+              <a:stretch>
+                <a:fillRect/>
+              </a:stretch>
+            </a:blipFill>
+          </p:spPr>
+          <p:style>
+            <a:lnRef idx="0">
+              <a:schemeClr val="lt1">
+                <a:hueOff val="0"/>
+                <a:satOff val="0"/>
+                <a:lumOff val="0"/>
+                <a:alphaOff val="0"/>
+              </a:schemeClr>
+            </a:lnRef>
+            <a:fillRef idx="1">
+              <a:scrgbClr r="0" g="0" b="0"/>
+            </a:fillRef>
+            <a:effectRef idx="2">
+              <a:schemeClr val="accent2">
+                <a:tint val="50000"/>
+                <a:hueOff val="-293554"/>
+                <a:satOff val="-25390"/>
+                <a:lumOff val="2918"/>
+                <a:alphaOff val="0"/>
+              </a:schemeClr>
+            </a:effectRef>
+            <a:fontRef idx="minor">
+              <a:schemeClr val="lt1">
+                <a:hueOff val="0"/>
+                <a:satOff val="0"/>
+                <a:lumOff val="0"/>
+                <a:alphaOff val="0"/>
+              </a:schemeClr>
+            </a:fontRef>
+          </p:style>
+        </p:sp>
+        <p:sp>
+          <p:nvSpPr>
+            <p:cNvPr id="12" name="Полилиния 11"/>
+            <p:cNvSpPr/>
+            <p:nvPr/>
+          </p:nvSpPr>
+          <p:spPr>
+            <a:xfrm>
+              <a:off x="3574834" y="3447538"/>
+              <a:ext cx="1976399" cy="2774543"/>
+            </a:xfrm>
+            <a:custGeom>
+              <a:avLst/>
+              <a:gdLst>
+                <a:gd name="connsiteX0" fmla="*/ 0 w 1976399"/>
+                <a:gd name="connsiteY0" fmla="*/ 197640 h 2808977"/>
+                <a:gd name="connsiteX1" fmla="*/ 197640 w 1976399"/>
+                <a:gd name="connsiteY1" fmla="*/ 0 h 2808977"/>
+                <a:gd name="connsiteX2" fmla="*/ 1778759 w 1976399"/>
+                <a:gd name="connsiteY2" fmla="*/ 0 h 2808977"/>
+                <a:gd name="connsiteX3" fmla="*/ 1976399 w 1976399"/>
+                <a:gd name="connsiteY3" fmla="*/ 197640 h 2808977"/>
+                <a:gd name="connsiteX4" fmla="*/ 1976399 w 1976399"/>
+                <a:gd name="connsiteY4" fmla="*/ 2611337 h 2808977"/>
+                <a:gd name="connsiteX5" fmla="*/ 1778759 w 1976399"/>
+                <a:gd name="connsiteY5" fmla="*/ 2808977 h 2808977"/>
+                <a:gd name="connsiteX6" fmla="*/ 197640 w 1976399"/>
+                <a:gd name="connsiteY6" fmla="*/ 2808977 h 2808977"/>
+                <a:gd name="connsiteX7" fmla="*/ 0 w 1976399"/>
+                <a:gd name="connsiteY7" fmla="*/ 2611337 h 2808977"/>
+                <a:gd name="connsiteX8" fmla="*/ 0 w 1976399"/>
+                <a:gd name="connsiteY8" fmla="*/ 197640 h 2808977"/>
+              </a:gdLst>
+              <a:ahLst/>
+              <a:cxnLst>
+                <a:cxn ang="0">
+                  <a:pos x="connsiteX0" y="connsiteY0"/>
+                </a:cxn>
+                <a:cxn ang="0">
+                  <a:pos x="connsiteX1" y="connsiteY1"/>
+                </a:cxn>
+                <a:cxn ang="0">
+                  <a:pos x="connsiteX2" y="connsiteY2"/>
+                </a:cxn>
+                <a:cxn ang="0">
+                  <a:pos x="connsiteX3" y="connsiteY3"/>
+                </a:cxn>
+                <a:cxn ang="0">
+                  <a:pos x="connsiteX4" y="connsiteY4"/>
+                </a:cxn>
+                <a:cxn ang="0">
+                  <a:pos x="connsiteX5" y="connsiteY5"/>
+                </a:cxn>
+                <a:cxn ang="0">
+                  <a:pos x="connsiteX6" y="connsiteY6"/>
+                </a:cxn>
+                <a:cxn ang="0">
+                  <a:pos x="connsiteX7" y="connsiteY7"/>
+                </a:cxn>
+                <a:cxn ang="0">
+                  <a:pos x="connsiteX8" y="connsiteY8"/>
+                </a:cxn>
+              </a:cxnLst>
+              <a:rect l="l" t="t" r="r" b="b"/>
+              <a:pathLst>
+                <a:path w="1976399" h="2808977">
+                  <a:moveTo>
+                    <a:pt x="0" y="197640"/>
+                  </a:moveTo>
+                  <a:cubicBezTo>
+                    <a:pt x="0" y="88486"/>
+                    <a:pt x="88486" y="0"/>
+                    <a:pt x="197640" y="0"/>
+                  </a:cubicBezTo>
+                  <a:lnTo>
+                    <a:pt x="1778759" y="0"/>
+                  </a:lnTo>
+                  <a:cubicBezTo>
+                    <a:pt x="1887913" y="0"/>
+                    <a:pt x="1976399" y="88486"/>
+                    <a:pt x="1976399" y="197640"/>
+                  </a:cubicBezTo>
+                  <a:lnTo>
+                    <a:pt x="1976399" y="2611337"/>
+                  </a:lnTo>
+                  <a:cubicBezTo>
+                    <a:pt x="1976399" y="2720491"/>
+                    <a:pt x="1887913" y="2808977"/>
+                    <a:pt x="1778759" y="2808977"/>
+                  </a:cubicBezTo>
+                  <a:lnTo>
+                    <a:pt x="197640" y="2808977"/>
+                  </a:lnTo>
+                  <a:cubicBezTo>
+                    <a:pt x="88486" y="2808977"/>
+                    <a:pt x="0" y="2720491"/>
+                    <a:pt x="0" y="2611337"/>
+                  </a:cubicBezTo>
+                  <a:lnTo>
+                    <a:pt x="0" y="197640"/>
+                  </a:lnTo>
+                  <a:close/>
+                </a:path>
+              </a:pathLst>
+            </a:custGeom>
+          </p:spPr>
+          <p:style>
+            <a:lnRef idx="0">
+              <a:schemeClr val="lt1">
+                <a:hueOff val="0"/>
+                <a:satOff val="0"/>
+                <a:lumOff val="0"/>
+                <a:alphaOff val="0"/>
+              </a:schemeClr>
+            </a:lnRef>
+            <a:fillRef idx="3">
+              <a:schemeClr val="accent2">
+                <a:hueOff val="-485121"/>
+                <a:satOff val="-27976"/>
+                <a:lumOff val="2876"/>
+                <a:alphaOff val="0"/>
+              </a:schemeClr>
+            </a:fillRef>
+            <a:effectRef idx="2">
+              <a:schemeClr val="accent2">
+                <a:hueOff val="-485121"/>
+                <a:satOff val="-27976"/>
+                <a:lumOff val="2876"/>
+                <a:alphaOff val="0"/>
+              </a:schemeClr>
+            </a:effectRef>
+            <a:fontRef idx="minor">
+              <a:schemeClr val="lt1"/>
+            </a:fontRef>
+          </p:style>
+          <p:txBody>
+            <a:bodyPr spcFirstLastPara="0" vert="horz" wrap="square" lIns="134087" tIns="134087" rIns="134087" bIns="134087" numCol="1" spcCol="1270" anchor="t" anchorCtr="0">
+              <a:noAutofit/>
+            </a:bodyPr>
+            <a:lstStyle/>
+            <a:p>
+              <a:pPr lvl="0" algn="l" defTabSz="889000">
+                <a:lnSpc>
+                  <a:spcPct val="90000"/>
+                </a:lnSpc>
+                <a:spcBef>
+                  <a:spcPct val="0"/>
+                </a:spcBef>
+                <a:spcAft>
+                  <a:spcPct val="35000"/>
+                </a:spcAft>
+              </a:pPr>
+              <a:r>
+                <a:rPr lang="ru-RU" sz="2000" kern="1200" dirty="0" smtClean="0"/>
+                <a:t>Разработка</a:t>
+              </a:r>
+              <a:endParaRPr lang="ru-RU" sz="2000" kern="1200" dirty="0"/>
+            </a:p>
+            <a:p>
+              <a:pPr marL="171450" lvl="1" indent="-171450" algn="l" defTabSz="711200">
+                <a:lnSpc>
+                  <a:spcPct val="90000"/>
+                </a:lnSpc>
+                <a:spcBef>
+                  <a:spcPct val="0"/>
+                </a:spcBef>
+                <a:spcAft>
+                  <a:spcPct val="15000"/>
+                </a:spcAft>
+                <a:buChar char="••"/>
+              </a:pPr>
+              <a:r>
+                <a:rPr lang="ru-RU" sz="1600" kern="1200" dirty="0" smtClean="0"/>
+                <a:t>Реализовать поставленные задачи на </a:t>
+              </a:r>
+              <a:r>
+                <a:rPr lang="en-US" sz="1600" kern="1200" dirty="0" err="1" smtClean="0"/>
+                <a:t>javascript</a:t>
+              </a:r>
+              <a:endParaRPr lang="ru-RU" sz="1600" kern="1200" dirty="0"/>
+            </a:p>
+            <a:p>
+              <a:pPr marL="171450" lvl="1" indent="-171450" algn="l" defTabSz="711200">
+                <a:lnSpc>
+                  <a:spcPct val="90000"/>
+                </a:lnSpc>
+                <a:spcBef>
+                  <a:spcPct val="0"/>
+                </a:spcBef>
+                <a:spcAft>
+                  <a:spcPct val="15000"/>
+                </a:spcAft>
+                <a:buChar char="••"/>
+              </a:pPr>
+              <a:r>
+                <a:rPr lang="ru-RU" sz="1600" kern="1200" dirty="0" smtClean="0"/>
+                <a:t>Загрузить работу в среду разработки </a:t>
+              </a:r>
+              <a:r>
+                <a:rPr lang="en-US" sz="1600" kern="1200" dirty="0" err="1" smtClean="0"/>
+                <a:t>Github</a:t>
+              </a:r>
+              <a:endParaRPr lang="ru-RU" sz="1600" kern="1200" dirty="0"/>
+            </a:p>
+          </p:txBody>
+        </p:sp>
+        <p:sp>
+          <p:nvSpPr>
+            <p:cNvPr id="13" name="Полилиния 12"/>
+            <p:cNvSpPr/>
+            <p:nvPr/>
+          </p:nvSpPr>
+          <p:spPr>
+            <a:xfrm rot="21553627">
+              <a:off x="5176330" y="2687310"/>
+              <a:ext cx="362946" cy="474901"/>
+            </a:xfrm>
+            <a:custGeom>
+              <a:avLst/>
+              <a:gdLst>
+                <a:gd name="connsiteX0" fmla="*/ 0 w 362946"/>
+                <a:gd name="connsiteY0" fmla="*/ 94980 h 474901"/>
+                <a:gd name="connsiteX1" fmla="*/ 181473 w 362946"/>
+                <a:gd name="connsiteY1" fmla="*/ 94980 h 474901"/>
+                <a:gd name="connsiteX2" fmla="*/ 181473 w 362946"/>
+                <a:gd name="connsiteY2" fmla="*/ 0 h 474901"/>
+                <a:gd name="connsiteX3" fmla="*/ 362946 w 362946"/>
+                <a:gd name="connsiteY3" fmla="*/ 237451 h 474901"/>
+                <a:gd name="connsiteX4" fmla="*/ 181473 w 362946"/>
+                <a:gd name="connsiteY4" fmla="*/ 474901 h 474901"/>
+                <a:gd name="connsiteX5" fmla="*/ 181473 w 362946"/>
+                <a:gd name="connsiteY5" fmla="*/ 379921 h 474901"/>
+                <a:gd name="connsiteX6" fmla="*/ 0 w 362946"/>
+                <a:gd name="connsiteY6" fmla="*/ 379921 h 474901"/>
+                <a:gd name="connsiteX7" fmla="*/ 0 w 362946"/>
+                <a:gd name="connsiteY7" fmla="*/ 94980 h 474901"/>
+              </a:gdLst>
+              <a:ahLst/>
+              <a:cxnLst>
+                <a:cxn ang="0">
+                  <a:pos x="connsiteX0" y="connsiteY0"/>
+                </a:cxn>
+                <a:cxn ang="0">
+                  <a:pos x="connsiteX1" y="connsiteY1"/>
+                </a:cxn>
+                <a:cxn ang="0">
+                  <a:pos x="connsiteX2" y="connsiteY2"/>
+                </a:cxn>
+                <a:cxn ang="0">
+                  <a:pos x="connsiteX3" y="connsiteY3"/>
+                </a:cxn>
+                <a:cxn ang="0">
+                  <a:pos x="connsiteX4" y="connsiteY4"/>
+                </a:cxn>
+                <a:cxn ang="0">
+                  <a:pos x="connsiteX5" y="connsiteY5"/>
+                </a:cxn>
+                <a:cxn ang="0">
+                  <a:pos x="connsiteX6" y="connsiteY6"/>
+                </a:cxn>
+                <a:cxn ang="0">
+                  <a:pos x="connsiteX7" y="connsiteY7"/>
+                </a:cxn>
+              </a:cxnLst>
+              <a:rect l="l" t="t" r="r" b="b"/>
+              <a:pathLst>
+                <a:path w="362946" h="474901">
+                  <a:moveTo>
+                    <a:pt x="0" y="94980"/>
+                  </a:moveTo>
+                  <a:lnTo>
+                    <a:pt x="181473" y="94980"/>
+                  </a:lnTo>
+                  <a:lnTo>
+                    <a:pt x="181473" y="0"/>
+                  </a:lnTo>
+                  <a:lnTo>
+                    <a:pt x="362946" y="237451"/>
+                  </a:lnTo>
+                  <a:lnTo>
+                    <a:pt x="181473" y="474901"/>
+                  </a:lnTo>
+                  <a:lnTo>
+                    <a:pt x="181473" y="379921"/>
+                  </a:lnTo>
+                  <a:lnTo>
+                    <a:pt x="0" y="379921"/>
+                  </a:lnTo>
+                  <a:lnTo>
+                    <a:pt x="0" y="94980"/>
+                  </a:lnTo>
+                  <a:close/>
+                </a:path>
+              </a:pathLst>
+            </a:custGeom>
+          </p:spPr>
+          <p:style>
+            <a:lnRef idx="0">
+              <a:schemeClr val="lt1">
+                <a:hueOff val="0"/>
+                <a:satOff val="0"/>
+                <a:lumOff val="0"/>
+                <a:alphaOff val="0"/>
+              </a:schemeClr>
+            </a:lnRef>
+            <a:fillRef idx="3">
+              <a:schemeClr val="accent2">
+                <a:hueOff val="-727682"/>
+                <a:satOff val="-41964"/>
+                <a:lumOff val="4314"/>
+                <a:alphaOff val="0"/>
+              </a:schemeClr>
+            </a:fillRef>
+            <a:effectRef idx="2">
+              <a:schemeClr val="accent2">
+                <a:hueOff val="-727682"/>
+                <a:satOff val="-41964"/>
+                <a:lumOff val="4314"/>
+                <a:alphaOff val="0"/>
+              </a:schemeClr>
+            </a:effectRef>
+            <a:fontRef idx="minor">
+              <a:schemeClr val="lt1"/>
+            </a:fontRef>
+          </p:style>
+          <p:txBody>
+            <a:bodyPr spcFirstLastPara="0" vert="horz" wrap="square" lIns="0" tIns="94979" rIns="108883" bIns="94980" numCol="1" spcCol="1270" anchor="ctr" anchorCtr="0">
+              <a:noAutofit/>
+            </a:bodyPr>
+            <a:lstStyle/>
+            <a:p>
+              <a:pPr lvl="0" algn="ctr" defTabSz="889000">
+                <a:lnSpc>
+                  <a:spcPct val="90000"/>
+                </a:lnSpc>
+                <a:spcBef>
+                  <a:spcPct val="0"/>
+                </a:spcBef>
+                <a:spcAft>
+                  <a:spcPct val="35000"/>
+                </a:spcAft>
+              </a:pPr>
+              <a:endParaRPr lang="ru-RU" sz="2000" kern="1200"/>
+            </a:p>
+          </p:txBody>
+        </p:sp>
+        <p:sp>
+          <p:nvSpPr>
+            <p:cNvPr id="14" name="Скругленный прямоугольник 13"/>
+            <p:cNvSpPr/>
+            <p:nvPr/>
+          </p:nvSpPr>
+          <p:spPr>
+            <a:xfrm>
+              <a:off x="5850329" y="1916586"/>
+              <a:ext cx="1976399" cy="1976399"/>
+            </a:xfrm>
+            <a:prstGeom prst="roundRect">
+              <a:avLst>
+                <a:gd name="adj" fmla="val 10000"/>
+              </a:avLst>
+            </a:prstGeom>
+            <a:blipFill>
+              <a:blip r:embed="rId4" cstate="print">
+                <a:extLst>
+                  <a:ext uri="{28A0092B-C50C-407E-A947-70E740481C1C}">
+                    <a14:useLocalDpi xmlns:a14="http://schemas.microsoft.com/office/drawing/2010/main" val="0"/>
+                  </a:ext>
+                </a:extLst>
+              </a:blip>
+              <a:srcRect/>
+              <a:stretch>
+                <a:fillRect l="-17000" r="-17000"/>
+              </a:stretch>
+            </a:blipFill>
+          </p:spPr>
+          <p:style>
+            <a:lnRef idx="0">
+              <a:schemeClr val="lt1">
+                <a:hueOff val="0"/>
+                <a:satOff val="0"/>
+                <a:lumOff val="0"/>
+                <a:alphaOff val="0"/>
+              </a:schemeClr>
+            </a:lnRef>
+            <a:fillRef idx="1">
+              <a:scrgbClr r="0" g="0" b="0"/>
+            </a:fillRef>
+            <a:effectRef idx="2">
+              <a:schemeClr val="accent2">
+                <a:tint val="50000"/>
+                <a:hueOff val="-587108"/>
+                <a:satOff val="-50780"/>
+                <a:lumOff val="5837"/>
+                <a:alphaOff val="0"/>
+              </a:schemeClr>
+            </a:effectRef>
+            <a:fontRef idx="minor">
+              <a:schemeClr val="lt1">
+                <a:hueOff val="0"/>
+                <a:satOff val="0"/>
+                <a:lumOff val="0"/>
+                <a:alphaOff val="0"/>
+              </a:schemeClr>
+            </a:fontRef>
+          </p:style>
+        </p:sp>
+        <p:sp>
+          <p:nvSpPr>
+            <p:cNvPr id="15" name="Полилиния 14"/>
+            <p:cNvSpPr/>
+            <p:nvPr/>
+          </p:nvSpPr>
+          <p:spPr>
+            <a:xfrm>
+              <a:off x="6433287" y="3447537"/>
+              <a:ext cx="1976399" cy="2774543"/>
+            </a:xfrm>
+            <a:custGeom>
+              <a:avLst/>
+              <a:gdLst>
+                <a:gd name="connsiteX0" fmla="*/ 0 w 1976399"/>
+                <a:gd name="connsiteY0" fmla="*/ 197640 h 2869988"/>
+                <a:gd name="connsiteX1" fmla="*/ 197640 w 1976399"/>
+                <a:gd name="connsiteY1" fmla="*/ 0 h 2869988"/>
+                <a:gd name="connsiteX2" fmla="*/ 1778759 w 1976399"/>
+                <a:gd name="connsiteY2" fmla="*/ 0 h 2869988"/>
+                <a:gd name="connsiteX3" fmla="*/ 1976399 w 1976399"/>
+                <a:gd name="connsiteY3" fmla="*/ 197640 h 2869988"/>
+                <a:gd name="connsiteX4" fmla="*/ 1976399 w 1976399"/>
+                <a:gd name="connsiteY4" fmla="*/ 2672348 h 2869988"/>
+                <a:gd name="connsiteX5" fmla="*/ 1778759 w 1976399"/>
+                <a:gd name="connsiteY5" fmla="*/ 2869988 h 2869988"/>
+                <a:gd name="connsiteX6" fmla="*/ 197640 w 1976399"/>
+                <a:gd name="connsiteY6" fmla="*/ 2869988 h 2869988"/>
+                <a:gd name="connsiteX7" fmla="*/ 0 w 1976399"/>
+                <a:gd name="connsiteY7" fmla="*/ 2672348 h 2869988"/>
+                <a:gd name="connsiteX8" fmla="*/ 0 w 1976399"/>
+                <a:gd name="connsiteY8" fmla="*/ 197640 h 2869988"/>
+              </a:gdLst>
+              <a:ahLst/>
+              <a:cxnLst>
+                <a:cxn ang="0">
+                  <a:pos x="connsiteX0" y="connsiteY0"/>
+                </a:cxn>
+                <a:cxn ang="0">
+                  <a:pos x="connsiteX1" y="connsiteY1"/>
+                </a:cxn>
+                <a:cxn ang="0">
+                  <a:pos x="connsiteX2" y="connsiteY2"/>
+                </a:cxn>
+                <a:cxn ang="0">
+                  <a:pos x="connsiteX3" y="connsiteY3"/>
+                </a:cxn>
+                <a:cxn ang="0">
+                  <a:pos x="connsiteX4" y="connsiteY4"/>
+                </a:cxn>
+                <a:cxn ang="0">
+                  <a:pos x="connsiteX5" y="connsiteY5"/>
+                </a:cxn>
+                <a:cxn ang="0">
+                  <a:pos x="connsiteX6" y="connsiteY6"/>
+                </a:cxn>
+                <a:cxn ang="0">
+                  <a:pos x="connsiteX7" y="connsiteY7"/>
+                </a:cxn>
+                <a:cxn ang="0">
+                  <a:pos x="connsiteX8" y="connsiteY8"/>
+                </a:cxn>
+              </a:cxnLst>
+              <a:rect l="l" t="t" r="r" b="b"/>
+              <a:pathLst>
+                <a:path w="1976399" h="2869988">
+                  <a:moveTo>
+                    <a:pt x="0" y="197640"/>
+                  </a:moveTo>
+                  <a:cubicBezTo>
+                    <a:pt x="0" y="88486"/>
+                    <a:pt x="88486" y="0"/>
+                    <a:pt x="197640" y="0"/>
+                  </a:cubicBezTo>
+                  <a:lnTo>
+                    <a:pt x="1778759" y="0"/>
+                  </a:lnTo>
+                  <a:cubicBezTo>
+                    <a:pt x="1887913" y="0"/>
+                    <a:pt x="1976399" y="88486"/>
+                    <a:pt x="1976399" y="197640"/>
+                  </a:cubicBezTo>
+                  <a:lnTo>
+                    <a:pt x="1976399" y="2672348"/>
+                  </a:lnTo>
+                  <a:cubicBezTo>
+                    <a:pt x="1976399" y="2781502"/>
+                    <a:pt x="1887913" y="2869988"/>
+                    <a:pt x="1778759" y="2869988"/>
+                  </a:cubicBezTo>
+                  <a:lnTo>
+                    <a:pt x="197640" y="2869988"/>
+                  </a:lnTo>
+                  <a:cubicBezTo>
+                    <a:pt x="88486" y="2869988"/>
+                    <a:pt x="0" y="2781502"/>
+                    <a:pt x="0" y="2672348"/>
+                  </a:cubicBezTo>
+                  <a:lnTo>
+                    <a:pt x="0" y="197640"/>
+                  </a:lnTo>
+                  <a:close/>
+                </a:path>
+              </a:pathLst>
+            </a:custGeom>
+          </p:spPr>
+          <p:style>
+            <a:lnRef idx="0">
+              <a:schemeClr val="lt1">
+                <a:hueOff val="0"/>
+                <a:satOff val="0"/>
+                <a:lumOff val="0"/>
+                <a:alphaOff val="0"/>
+              </a:schemeClr>
+            </a:lnRef>
+            <a:fillRef idx="3">
+              <a:schemeClr val="accent2">
+                <a:hueOff val="-970242"/>
+                <a:satOff val="-55952"/>
+                <a:lumOff val="5752"/>
+                <a:alphaOff val="0"/>
+              </a:schemeClr>
+            </a:fillRef>
+            <a:effectRef idx="2">
+              <a:schemeClr val="accent2">
+                <a:hueOff val="-970242"/>
+                <a:satOff val="-55952"/>
+                <a:lumOff val="5752"/>
+                <a:alphaOff val="0"/>
+              </a:schemeClr>
+            </a:effectRef>
+            <a:fontRef idx="minor">
+              <a:schemeClr val="lt1"/>
+            </a:fontRef>
+          </p:style>
+          <p:txBody>
+            <a:bodyPr spcFirstLastPara="0" vert="horz" wrap="square" lIns="134087" tIns="134087" rIns="134087" bIns="134087" numCol="1" spcCol="1270" anchor="t" anchorCtr="0">
+              <a:noAutofit/>
+            </a:bodyPr>
+            <a:lstStyle/>
+            <a:p>
+              <a:pPr lvl="0" algn="l" defTabSz="889000">
+                <a:lnSpc>
+                  <a:spcPct val="90000"/>
+                </a:lnSpc>
+                <a:spcBef>
+                  <a:spcPct val="0"/>
+                </a:spcBef>
+                <a:spcAft>
+                  <a:spcPct val="35000"/>
+                </a:spcAft>
+              </a:pPr>
+              <a:r>
+                <a:rPr lang="ru-RU" sz="2000" kern="1200" dirty="0" smtClean="0"/>
+                <a:t>Презентация</a:t>
+              </a:r>
+              <a:endParaRPr lang="ru-RU" sz="2000" kern="1200" dirty="0"/>
+            </a:p>
+            <a:p>
+              <a:pPr marL="171450" lvl="1" indent="-171450" algn="l" defTabSz="711200">
+                <a:lnSpc>
+                  <a:spcPct val="90000"/>
+                </a:lnSpc>
+                <a:spcBef>
+                  <a:spcPct val="0"/>
+                </a:spcBef>
+                <a:spcAft>
+                  <a:spcPct val="15000"/>
+                </a:spcAft>
+                <a:buChar char="••"/>
+              </a:pPr>
+              <a:r>
+                <a:rPr lang="ru-RU" sz="1600" kern="1200" dirty="0" smtClean="0"/>
+                <a:t>Дополнить приложение документацией</a:t>
+              </a:r>
+              <a:endParaRPr lang="ru-RU" sz="1600" kern="1200" dirty="0"/>
+            </a:p>
+            <a:p>
+              <a:pPr marL="171450" lvl="1" indent="-171450" algn="l" defTabSz="711200">
+                <a:lnSpc>
+                  <a:spcPct val="90000"/>
+                </a:lnSpc>
+                <a:spcBef>
+                  <a:spcPct val="0"/>
+                </a:spcBef>
+                <a:spcAft>
+                  <a:spcPct val="15000"/>
+                </a:spcAft>
+                <a:buChar char="••"/>
+              </a:pPr>
+              <a:r>
+                <a:rPr lang="ru-RU" sz="1600" kern="1200" dirty="0" smtClean="0"/>
+                <a:t>Презентовать окончательную версию проекта</a:t>
+              </a:r>
+              <a:endParaRPr lang="ru-RU" sz="1600" kern="1200" dirty="0"/>
+            </a:p>
+            <a:p>
+              <a:pPr marL="57150" lvl="1" indent="-57150" algn="l" defTabSz="488950">
+                <a:lnSpc>
+                  <a:spcPct val="90000"/>
+                </a:lnSpc>
+                <a:spcBef>
+                  <a:spcPct val="0"/>
+                </a:spcBef>
+                <a:spcAft>
+                  <a:spcPct val="15000"/>
+                </a:spcAft>
+                <a:buChar char="••"/>
+              </a:pPr>
+              <a:endParaRPr lang="ru-RU" sz="1100" kern="1200" dirty="0"/>
+            </a:p>
+          </p:txBody>
+        </p:sp>
+        <p:sp>
+          <p:nvSpPr>
+            <p:cNvPr id="16" name="Полилиния 15"/>
+            <p:cNvSpPr/>
+            <p:nvPr/>
+          </p:nvSpPr>
+          <p:spPr>
+            <a:xfrm rot="12841">
+              <a:off x="8211873" y="2673184"/>
+              <a:ext cx="385148" cy="474901"/>
+            </a:xfrm>
+            <a:custGeom>
+              <a:avLst/>
+              <a:gdLst>
+                <a:gd name="connsiteX0" fmla="*/ 0 w 385148"/>
+                <a:gd name="connsiteY0" fmla="*/ 94980 h 474901"/>
+                <a:gd name="connsiteX1" fmla="*/ 192574 w 385148"/>
+                <a:gd name="connsiteY1" fmla="*/ 94980 h 474901"/>
+                <a:gd name="connsiteX2" fmla="*/ 192574 w 385148"/>
+                <a:gd name="connsiteY2" fmla="*/ 0 h 474901"/>
+                <a:gd name="connsiteX3" fmla="*/ 385148 w 385148"/>
+                <a:gd name="connsiteY3" fmla="*/ 237451 h 474901"/>
+                <a:gd name="connsiteX4" fmla="*/ 192574 w 385148"/>
+                <a:gd name="connsiteY4" fmla="*/ 474901 h 474901"/>
+                <a:gd name="connsiteX5" fmla="*/ 192574 w 385148"/>
+                <a:gd name="connsiteY5" fmla="*/ 379921 h 474901"/>
+                <a:gd name="connsiteX6" fmla="*/ 0 w 385148"/>
+                <a:gd name="connsiteY6" fmla="*/ 379921 h 474901"/>
+                <a:gd name="connsiteX7" fmla="*/ 0 w 385148"/>
+                <a:gd name="connsiteY7" fmla="*/ 94980 h 474901"/>
+              </a:gdLst>
+              <a:ahLst/>
+              <a:cxnLst>
+                <a:cxn ang="0">
+                  <a:pos x="connsiteX0" y="connsiteY0"/>
+                </a:cxn>
+                <a:cxn ang="0">
+                  <a:pos x="connsiteX1" y="connsiteY1"/>
+                </a:cxn>
+                <a:cxn ang="0">
+                  <a:pos x="connsiteX2" y="connsiteY2"/>
+                </a:cxn>
+                <a:cxn ang="0">
+                  <a:pos x="connsiteX3" y="connsiteY3"/>
+                </a:cxn>
+                <a:cxn ang="0">
+                  <a:pos x="connsiteX4" y="connsiteY4"/>
+                </a:cxn>
+                <a:cxn ang="0">
+                  <a:pos x="connsiteX5" y="connsiteY5"/>
+                </a:cxn>
+                <a:cxn ang="0">
+                  <a:pos x="connsiteX6" y="connsiteY6"/>
+                </a:cxn>
+                <a:cxn ang="0">
+                  <a:pos x="connsiteX7" y="connsiteY7"/>
+                </a:cxn>
+              </a:cxnLst>
+              <a:rect l="l" t="t" r="r" b="b"/>
+              <a:pathLst>
+                <a:path w="385148" h="474901">
+                  <a:moveTo>
+                    <a:pt x="0" y="94980"/>
+                  </a:moveTo>
+                  <a:lnTo>
+                    <a:pt x="192574" y="94980"/>
+                  </a:lnTo>
+                  <a:lnTo>
+                    <a:pt x="192574" y="0"/>
+                  </a:lnTo>
+                  <a:lnTo>
+                    <a:pt x="385148" y="237451"/>
+                  </a:lnTo>
+                  <a:lnTo>
+                    <a:pt x="192574" y="474901"/>
+                  </a:lnTo>
+                  <a:lnTo>
+                    <a:pt x="192574" y="379921"/>
+                  </a:lnTo>
+                  <a:lnTo>
+                    <a:pt x="0" y="379921"/>
+                  </a:lnTo>
+                  <a:lnTo>
+                    <a:pt x="0" y="94980"/>
+                  </a:lnTo>
+                  <a:close/>
+                </a:path>
+              </a:pathLst>
+            </a:custGeom>
+          </p:spPr>
+          <p:style>
+            <a:lnRef idx="0">
+              <a:schemeClr val="lt1">
+                <a:hueOff val="0"/>
+                <a:satOff val="0"/>
+                <a:lumOff val="0"/>
+                <a:alphaOff val="0"/>
+              </a:schemeClr>
+            </a:lnRef>
+            <a:fillRef idx="3">
+              <a:schemeClr val="accent2">
+                <a:hueOff val="-1455363"/>
+                <a:satOff val="-83928"/>
+                <a:lumOff val="8628"/>
+                <a:alphaOff val="0"/>
+              </a:schemeClr>
+            </a:fillRef>
+            <a:effectRef idx="2">
+              <a:schemeClr val="accent2">
+                <a:hueOff val="-1455363"/>
+                <a:satOff val="-83928"/>
+                <a:lumOff val="8628"/>
+                <a:alphaOff val="0"/>
+              </a:schemeClr>
+            </a:effectRef>
+            <a:fontRef idx="minor">
+              <a:schemeClr val="lt1"/>
+            </a:fontRef>
+          </p:style>
+          <p:txBody>
+            <a:bodyPr spcFirstLastPara="0" vert="horz" wrap="square" lIns="-1" tIns="94979" rIns="115544" bIns="94980" numCol="1" spcCol="1270" anchor="ctr" anchorCtr="0">
+              <a:noAutofit/>
+            </a:bodyPr>
+            <a:lstStyle/>
+            <a:p>
+              <a:pPr lvl="0" algn="ctr" defTabSz="889000">
+                <a:lnSpc>
+                  <a:spcPct val="90000"/>
+                </a:lnSpc>
+                <a:spcBef>
+                  <a:spcPct val="0"/>
+                </a:spcBef>
+                <a:spcAft>
+                  <a:spcPct val="35000"/>
+                </a:spcAft>
+              </a:pPr>
+              <a:endParaRPr lang="ru-RU" sz="2000" kern="1200"/>
+            </a:p>
+          </p:txBody>
+        </p:sp>
+        <p:sp>
+          <p:nvSpPr>
+            <p:cNvPr id="17" name="Скругленный прямоугольник 16"/>
+            <p:cNvSpPr/>
+            <p:nvPr/>
+          </p:nvSpPr>
+          <p:spPr>
+            <a:xfrm>
+              <a:off x="8927146" y="1928079"/>
+              <a:ext cx="1976399" cy="1976399"/>
+            </a:xfrm>
+            <a:prstGeom prst="roundRect">
+              <a:avLst>
+                <a:gd name="adj" fmla="val 10000"/>
+              </a:avLst>
+            </a:prstGeom>
+            <a:blipFill>
+              <a:blip r:embed="rId5" cstate="print">
+                <a:extLst>
+                  <a:ext uri="{28A0092B-C50C-407E-A947-70E740481C1C}">
+                    <a14:useLocalDpi xmlns:a14="http://schemas.microsoft.com/office/drawing/2010/main" val="0"/>
+                  </a:ext>
+                </a:extLst>
+              </a:blip>
+              <a:srcRect/>
+              <a:stretch>
+                <a:fillRect l="-13000" r="-13000"/>
+              </a:stretch>
+            </a:blipFill>
+          </p:spPr>
+          <p:style>
+            <a:lnRef idx="0">
+              <a:schemeClr val="lt1">
+                <a:hueOff val="0"/>
+                <a:satOff val="0"/>
+                <a:lumOff val="0"/>
+                <a:alphaOff val="0"/>
+              </a:schemeClr>
+            </a:lnRef>
+            <a:fillRef idx="1">
+              <a:scrgbClr r="0" g="0" b="0"/>
+            </a:fillRef>
+            <a:effectRef idx="2">
+              <a:schemeClr val="accent2">
+                <a:tint val="50000"/>
+                <a:hueOff val="-880662"/>
+                <a:satOff val="-76170"/>
+                <a:lumOff val="8755"/>
+                <a:alphaOff val="0"/>
+              </a:schemeClr>
+            </a:effectRef>
+            <a:fontRef idx="minor">
+              <a:schemeClr val="lt1">
+                <a:hueOff val="0"/>
+                <a:satOff val="0"/>
+                <a:lumOff val="0"/>
+                <a:alphaOff val="0"/>
+              </a:schemeClr>
+            </a:fontRef>
+          </p:style>
+        </p:sp>
+        <p:sp>
+          <p:nvSpPr>
+            <p:cNvPr id="18" name="Полилиния 17"/>
+            <p:cNvSpPr/>
+            <p:nvPr/>
+          </p:nvSpPr>
+          <p:spPr>
+            <a:xfrm>
+              <a:off x="9291740" y="3549137"/>
+              <a:ext cx="1976399" cy="2774544"/>
+            </a:xfrm>
+            <a:custGeom>
+              <a:avLst/>
+              <a:gdLst>
+                <a:gd name="connsiteX0" fmla="*/ 0 w 1976399"/>
+                <a:gd name="connsiteY0" fmla="*/ 197640 h 2925604"/>
+                <a:gd name="connsiteX1" fmla="*/ 197640 w 1976399"/>
+                <a:gd name="connsiteY1" fmla="*/ 0 h 2925604"/>
+                <a:gd name="connsiteX2" fmla="*/ 1778759 w 1976399"/>
+                <a:gd name="connsiteY2" fmla="*/ 0 h 2925604"/>
+                <a:gd name="connsiteX3" fmla="*/ 1976399 w 1976399"/>
+                <a:gd name="connsiteY3" fmla="*/ 197640 h 2925604"/>
+                <a:gd name="connsiteX4" fmla="*/ 1976399 w 1976399"/>
+                <a:gd name="connsiteY4" fmla="*/ 2727964 h 2925604"/>
+                <a:gd name="connsiteX5" fmla="*/ 1778759 w 1976399"/>
+                <a:gd name="connsiteY5" fmla="*/ 2925604 h 2925604"/>
+                <a:gd name="connsiteX6" fmla="*/ 197640 w 1976399"/>
+                <a:gd name="connsiteY6" fmla="*/ 2925604 h 2925604"/>
+                <a:gd name="connsiteX7" fmla="*/ 0 w 1976399"/>
+                <a:gd name="connsiteY7" fmla="*/ 2727964 h 2925604"/>
+                <a:gd name="connsiteX8" fmla="*/ 0 w 1976399"/>
+                <a:gd name="connsiteY8" fmla="*/ 197640 h 2925604"/>
+              </a:gdLst>
+              <a:ahLst/>
+              <a:cxnLst>
+                <a:cxn ang="0">
+                  <a:pos x="connsiteX0" y="connsiteY0"/>
+                </a:cxn>
+                <a:cxn ang="0">
+                  <a:pos x="connsiteX1" y="connsiteY1"/>
+                </a:cxn>
+                <a:cxn ang="0">
+                  <a:pos x="connsiteX2" y="connsiteY2"/>
+                </a:cxn>
+                <a:cxn ang="0">
+                  <a:pos x="connsiteX3" y="connsiteY3"/>
+                </a:cxn>
+                <a:cxn ang="0">
+                  <a:pos x="connsiteX4" y="connsiteY4"/>
+                </a:cxn>
+                <a:cxn ang="0">
+                  <a:pos x="connsiteX5" y="connsiteY5"/>
+                </a:cxn>
+                <a:cxn ang="0">
+                  <a:pos x="connsiteX6" y="connsiteY6"/>
+                </a:cxn>
+                <a:cxn ang="0">
+                  <a:pos x="connsiteX7" y="connsiteY7"/>
+                </a:cxn>
+                <a:cxn ang="0">
+                  <a:pos x="connsiteX8" y="connsiteY8"/>
+                </a:cxn>
+              </a:cxnLst>
+              <a:rect l="l" t="t" r="r" b="b"/>
+              <a:pathLst>
+                <a:path w="1976399" h="2925604">
+                  <a:moveTo>
+                    <a:pt x="0" y="197640"/>
+                  </a:moveTo>
+                  <a:cubicBezTo>
+                    <a:pt x="0" y="88486"/>
+                    <a:pt x="88486" y="0"/>
+                    <a:pt x="197640" y="0"/>
+                  </a:cubicBezTo>
+                  <a:lnTo>
+                    <a:pt x="1778759" y="0"/>
+                  </a:lnTo>
+                  <a:cubicBezTo>
+                    <a:pt x="1887913" y="0"/>
+                    <a:pt x="1976399" y="88486"/>
+                    <a:pt x="1976399" y="197640"/>
+                  </a:cubicBezTo>
+                  <a:lnTo>
+                    <a:pt x="1976399" y="2727964"/>
+                  </a:lnTo>
+                  <a:cubicBezTo>
+                    <a:pt x="1976399" y="2837118"/>
+                    <a:pt x="1887913" y="2925604"/>
+                    <a:pt x="1778759" y="2925604"/>
+                  </a:cubicBezTo>
+                  <a:lnTo>
+                    <a:pt x="197640" y="2925604"/>
+                  </a:lnTo>
+                  <a:cubicBezTo>
+                    <a:pt x="88486" y="2925604"/>
+                    <a:pt x="0" y="2837118"/>
+                    <a:pt x="0" y="2727964"/>
+                  </a:cubicBezTo>
+                  <a:lnTo>
+                    <a:pt x="0" y="197640"/>
+                  </a:lnTo>
+                  <a:close/>
+                </a:path>
+              </a:pathLst>
+            </a:custGeom>
+          </p:spPr>
+          <p:style>
+            <a:lnRef idx="0">
+              <a:schemeClr val="lt1">
+                <a:hueOff val="0"/>
+                <a:satOff val="0"/>
+                <a:lumOff val="0"/>
+                <a:alphaOff val="0"/>
+              </a:schemeClr>
+            </a:lnRef>
+            <a:fillRef idx="3">
+              <a:schemeClr val="accent2">
+                <a:hueOff val="-1455363"/>
+                <a:satOff val="-83928"/>
+                <a:lumOff val="8628"/>
+                <a:alphaOff val="0"/>
+              </a:schemeClr>
+            </a:fillRef>
+            <a:effectRef idx="2">
+              <a:schemeClr val="accent2">
+                <a:hueOff val="-1455363"/>
+                <a:satOff val="-83928"/>
+                <a:lumOff val="8628"/>
+                <a:alphaOff val="0"/>
+              </a:schemeClr>
+            </a:effectRef>
+            <a:fontRef idx="minor">
+              <a:schemeClr val="lt1"/>
+            </a:fontRef>
+          </p:style>
+          <p:txBody>
+            <a:bodyPr spcFirstLastPara="0" vert="horz" wrap="square" lIns="134087" tIns="134087" rIns="134087" bIns="134087" numCol="1" spcCol="1270" anchor="t" anchorCtr="0">
+              <a:noAutofit/>
+            </a:bodyPr>
+            <a:lstStyle/>
+            <a:p>
+              <a:pPr lvl="0" algn="l" defTabSz="889000">
+                <a:lnSpc>
+                  <a:spcPct val="90000"/>
+                </a:lnSpc>
+                <a:spcBef>
+                  <a:spcPct val="0"/>
+                </a:spcBef>
+                <a:spcAft>
+                  <a:spcPct val="35000"/>
+                </a:spcAft>
+              </a:pPr>
+              <a:r>
+                <a:rPr lang="ru-RU" sz="2000" kern="1200" dirty="0" smtClean="0"/>
+                <a:t>Перспективы</a:t>
+              </a:r>
+              <a:endParaRPr lang="ru-RU" sz="2000" kern="1200" dirty="0"/>
+            </a:p>
+            <a:p>
+              <a:pPr marL="171450" lvl="1" indent="-171450" algn="l" defTabSz="711200">
+                <a:lnSpc>
+                  <a:spcPct val="90000"/>
+                </a:lnSpc>
+                <a:spcBef>
+                  <a:spcPct val="0"/>
+                </a:spcBef>
+                <a:spcAft>
+                  <a:spcPct val="15000"/>
+                </a:spcAft>
+                <a:buChar char="••"/>
+              </a:pPr>
+              <a:r>
+                <a:rPr lang="ru-RU" sz="1600" kern="1200" dirty="0" smtClean="0"/>
+                <a:t>Расширить сайт мобильным приложением на </a:t>
+              </a:r>
+              <a:r>
+                <a:rPr lang="en-US" sz="1600" kern="1200" dirty="0" smtClean="0"/>
+                <a:t>java </a:t>
+              </a:r>
+              <a:r>
+                <a:rPr lang="ru-RU" sz="1600" kern="1200" dirty="0" smtClean="0"/>
+                <a:t>для удобного отклика</a:t>
+              </a:r>
+              <a:endParaRPr lang="ru-RU" sz="1600" kern="1200" dirty="0"/>
+            </a:p>
+            <a:p>
+              <a:pPr marL="171450" lvl="1" indent="-171450" algn="l" defTabSz="711200">
+                <a:lnSpc>
+                  <a:spcPct val="90000"/>
+                </a:lnSpc>
+                <a:spcBef>
+                  <a:spcPct val="0"/>
+                </a:spcBef>
+                <a:spcAft>
+                  <a:spcPct val="15000"/>
+                </a:spcAft>
+                <a:buChar char="••"/>
+              </a:pPr>
+              <a:r>
+                <a:rPr lang="ru-RU" sz="1600" kern="1200" dirty="0" smtClean="0"/>
+                <a:t>Сделать англоязычную версию сайта для возможности </a:t>
+              </a:r>
+              <a:r>
+                <a:rPr lang="ru-RU" sz="1600" kern="1200" dirty="0" err="1" smtClean="0"/>
+                <a:t>волонтерства</a:t>
+              </a:r>
+              <a:r>
+                <a:rPr lang="ru-RU" sz="1600" kern="1200" dirty="0" smtClean="0"/>
+                <a:t> в других странах</a:t>
+              </a:r>
+              <a:endParaRPr lang="ru-RU" sz="1600" kern="1200" dirty="0"/>
+            </a:p>
+          </p:txBody>
+        </p:sp>
+      </p:grpSp>
+    </p:spTree>
+    <p:extLst>
+      <p:ext uri="{BB962C8B-B14F-4D97-AF65-F5344CB8AC3E}">
+        <p14:creationId xmlns:p14="http://schemas.microsoft.com/office/powerpoint/2010/main" val="576964937"/>
+      </p:ext>
+    </p:extLst>
+  </p:cSld>
+  <p:clrMapOvr>
+    <a:masterClrMapping/>
+  </p:clrMapOvr>
+  <p:timing>
+    <p:tnLst>
+      <p:par>
+        <p:cTn id="1" dur="indefinite" restart="never" nodeType="tmRoot"/>
+      </p:par>
+    </p:tnLst>
+  </p:timing>
+</p:sld>
+</file>
+
+<file path=ppt/slides/slide8.xml><?xml version="1.0" encoding="utf-8"?>
+<p:sld xmlns:a="http://schemas.openxmlformats.org/drawingml/2006/main" xmlns:r="http://schemas.openxmlformats.org/officeDocument/2006/relationships" xmlns:p="http://schemas.openxmlformats.org/presentationml/2006/main">
+  <p:cSld>
+    <p:spTree>
+      <p:nvGrpSpPr>
+        <p:cNvPr id="1" name=""/>
+        <p:cNvGrpSpPr/>
+        <p:nvPr/>
+      </p:nvGrpSpPr>
+      <p:grpSpPr>
+        <a:xfrm>
+          <a:off x="0" y="0"/>
+          <a:ext cx="0" cy="0"/>
+          <a:chOff x="0" y="0"/>
+          <a:chExt cx="0" cy="0"/>
+        </a:xfrm>
+      </p:grpSpPr>
+      <p:sp>
+        <p:nvSpPr>
+          <p:cNvPr id="2" name="Заголовок 1"/>
+          <p:cNvSpPr>
+            <a:spLocks noGrp="1"/>
+          </p:cNvSpPr>
+          <p:nvPr>
+            <p:ph type="title"/>
+          </p:nvPr>
+        </p:nvSpPr>
+        <p:spPr>
+          <a:xfrm>
+            <a:off x="838200" y="365125"/>
+            <a:ext cx="6642100" cy="1325563"/>
+          </a:xfrm>
+        </p:spPr>
+        <p:txBody>
+          <a:bodyPr/>
+          <a:lstStyle/>
+          <a:p>
+            <a:r>
+              <a:rPr lang="ru-RU" dirty="0" smtClean="0"/>
+              <a:t>Методы и материалы</a:t>
+            </a:r>
+            <a:endParaRPr lang="ru-RU" dirty="0"/>
+          </a:p>
+        </p:txBody>
+      </p:sp>
+      <p:graphicFrame>
+        <p:nvGraphicFramePr>
+          <p:cNvPr id="3" name="Схема 2"/>
+          <p:cNvGraphicFramePr/>
+          <p:nvPr>
+            <p:extLst>
+              <p:ext uri="{D42A27DB-BD31-4B8C-83A1-F6EECF244321}">
+                <p14:modId xmlns:p14="http://schemas.microsoft.com/office/powerpoint/2010/main" val="1813111401"/>
+              </p:ext>
+            </p:extLst>
+          </p:nvPr>
+        </p:nvGraphicFramePr>
+        <p:xfrm>
+          <a:off x="1600200" y="1717676"/>
+          <a:ext cx="8623300" cy="4506912"/>
+        </p:xfrm>
+        <a:graphic>
+          <a:graphicData uri="http://schemas.openxmlformats.org/drawingml/2006/diagram">
+            <dgm:relIds xmlns:dgm="http://schemas.openxmlformats.org/drawingml/2006/diagram" xmlns:r="http://schemas.openxmlformats.org/officeDocument/2006/relationships" r:dm="rId2" r:lo="rId3" r:qs="rId4" r:cs="rId5"/>
+          </a:graphicData>
+        </a:graphic>
+      </p:graphicFrame>
+    </p:spTree>
+    <p:extLst>
+      <p:ext uri="{BB962C8B-B14F-4D97-AF65-F5344CB8AC3E}">
+        <p14:creationId xmlns:p14="http://schemas.microsoft.com/office/powerpoint/2010/main" val="1398709647"/>
+      </p:ext>
+    </p:extLst>
+  </p:cSld>
+  <p:clrMapOvr>
+    <a:masterClrMapping/>
+  </p:clrMapOvr>
+  <p:timing>
+    <p:tnLst>
+      <p:par>
+        <p:cTn id="1" dur="indefinite" restart="never" nodeType="tmRoot"/>
+      </p:par>
+    </p:tnLst>
+  </p:timing>
+</p:sld>
+</file>
+
+<file path=ppt/slides/slide9.xml><?xml version="1.0" encoding="utf-8"?>
+<p:sld xmlns:a="http://schemas.openxmlformats.org/drawingml/2006/main" xmlns:r="http://schemas.openxmlformats.org/officeDocument/2006/relationships" xmlns:p="http://schemas.openxmlformats.org/presentationml/2006/main">
+  <p:cSld>
+    <p:spTree>
+      <p:nvGrpSpPr>
+        <p:cNvPr id="1" name=""/>
+        <p:cNvGrpSpPr/>
+        <p:nvPr/>
+      </p:nvGrpSpPr>
+      <p:grpSpPr>
+        <a:xfrm>
+          <a:off x="0" y="0"/>
+          <a:ext cx="0" cy="0"/>
+          <a:chOff x="0" y="0"/>
+          <a:chExt cx="0" cy="0"/>
+        </a:xfrm>
+      </p:grpSpPr>
+      <p:sp>
+        <p:nvSpPr>
+          <p:cNvPr id="2" name="Заголовок 1"/>
+          <p:cNvSpPr>
+            <a:spLocks noGrp="1"/>
+          </p:cNvSpPr>
+          <p:nvPr>
+            <p:ph type="title"/>
+          </p:nvPr>
+        </p:nvSpPr>
+        <p:spPr>
+          <a:xfrm>
+            <a:off x="838200" y="365125"/>
+            <a:ext cx="3797300" cy="1325563"/>
+          </a:xfrm>
+        </p:spPr>
+        <p:txBody>
+          <a:bodyPr/>
+          <a:lstStyle/>
+          <a:p>
+            <a:r>
+              <a:rPr lang="ru-RU" dirty="0" smtClean="0"/>
+              <a:t>Результаты</a:t>
             </a:r>
             <a:endParaRPr lang="ru-RU" dirty="0"/>
           </a:p>
@@ -6887,8 +9800,8 @@
         </p:nvSpPr>
         <p:spPr>
           <a:xfrm>
-            <a:off x="1676400" y="2441526"/>
-            <a:ext cx="5232400" cy="2308324"/>
+            <a:off x="8305800" y="1825625"/>
+            <a:ext cx="2387600" cy="3416320"/>
           </a:xfrm>
           <a:prstGeom prst="rect">
             <a:avLst/>
@@ -6903,32 +9816,18 @@
           <a:p>
             <a:r>
               <a:rPr lang="ru-RU" sz="2400" dirty="0" smtClean="0"/>
-              <a:t>Сайт </a:t>
-            </a:r>
-            <a:r>
-              <a:rPr lang="ru-RU" sz="2400" dirty="0"/>
-              <a:t>м</a:t>
-            </a:r>
-            <a:r>
-              <a:rPr lang="ru-RU" sz="2400" dirty="0" smtClean="0"/>
-              <a:t>ожет иметь международный характер, организации часто ищут волонтеров из других стран</a:t>
-            </a:r>
-          </a:p>
-          <a:p>
+              <a:t>На данный момент завершена стадия подготовки к разработке, готовы рабочие области</a:t>
+            </a:r>
             <a:endParaRPr lang="ru-RU" sz="2400" dirty="0" smtClean="0"/>
           </a:p>
           <a:p>
-            <a:r>
-              <a:rPr lang="ru-RU" sz="2400" dirty="0" smtClean="0"/>
-              <a:t>Также планируется создание мобильного приложения</a:t>
-            </a:r>
-            <a:endParaRPr lang="ru-RU" sz="2400" dirty="0"/>
+            <a:endParaRPr lang="ru-RU" sz="2400" dirty="0" smtClean="0"/>
           </a:p>
         </p:txBody>
       </p:sp>
       <p:pic>
         <p:nvPicPr>
-          <p:cNvPr id="6" name="Объект 5"/>
+          <p:cNvPr id="4" name="Объект 3"/>
           <p:cNvPicPr>
             <a:picLocks noGrp="1" noChangeAspect="1"/>
           </p:cNvPicPr>
@@ -6936,7 +9835,7 @@
             <p:ph idx="1"/>
           </p:nvPr>
         </p:nvPicPr>
-        <p:blipFill rotWithShape="1">
+        <p:blipFill>
           <a:blip r:embed="rId2" cstate="print">
             <a:extLst>
               <a:ext uri="{28A0092B-C50C-407E-A947-70E740481C1C}">
@@ -6944,13 +9843,14 @@
               </a:ext>
             </a:extLst>
           </a:blip>
-          <a:srcRect t="6511" b="9384"/>
-          <a:stretch/>
+          <a:stretch>
+            <a:fillRect/>
+          </a:stretch>
         </p:blipFill>
         <p:spPr>
           <a:xfrm>
-            <a:off x="6908800" y="1690688"/>
-            <a:ext cx="4194496" cy="3810000"/>
+            <a:off x="1539887" y="1690688"/>
+            <a:ext cx="6524613" cy="4960491"/>
           </a:xfrm>
         </p:spPr>
       </p:pic>

--- a/VolunteerSeach.pptx
+++ b/VolunteerSeach.pptx
@@ -16555,6 +16555,285 @@
 </file>
 
 <file path=ppt/theme/theme1.xml><?xml version="1.0" encoding="utf-8"?>
+<a:theme xmlns:a="http://schemas.openxmlformats.org/drawingml/2006/main" xmlns:r="http://schemas.openxmlformats.org/officeDocument/2006/relationships">
+  <a:themeElements>
+    <a:clrScheme name="Default">
+      <a:dk1>
+        <a:srgbClr val="000000"/>
+      </a:dk1>
+      <a:lt1>
+        <a:srgbClr val="FFFFFF"/>
+      </a:lt1>
+      <a:dk2>
+        <a:srgbClr val="158158"/>
+      </a:dk2>
+      <a:lt2>
+        <a:srgbClr val="F3F3F3"/>
+      </a:lt2>
+      <a:accent1>
+        <a:srgbClr val="058DC7"/>
+      </a:accent1>
+      <a:accent2>
+        <a:srgbClr val="50B432"/>
+      </a:accent2>
+      <a:accent3>
+        <a:srgbClr val="ED561B"/>
+      </a:accent3>
+      <a:accent4>
+        <a:srgbClr val="EDEF00"/>
+      </a:accent4>
+      <a:accent5>
+        <a:srgbClr val="24CBE5"/>
+      </a:accent5>
+      <a:accent6>
+        <a:srgbClr val="64E572"/>
+      </a:accent6>
+      <a:hlink>
+        <a:srgbClr val="2200CC"/>
+      </a:hlink>
+      <a:folHlink>
+        <a:srgbClr val="551A8B"/>
+      </a:folHlink>
+    </a:clrScheme>
+    <a:fontScheme name="Office">
+      <a:majorFont>
+        <a:latin typeface="Arial"/>
+        <a:ea typeface=""/>
+        <a:cs typeface=""/>
+        <a:font script="Jpan" typeface="ＭＳ Ｐゴシック"/>
+        <a:font script="Hang" typeface="맑은 고딕"/>
+        <a:font script="Hans" typeface="宋体"/>
+        <a:font script="Hant" typeface="新細明體"/>
+        <a:font script="Arab" typeface="Times New Roman"/>
+        <a:font script="Hebr" typeface="Times New Roman"/>
+        <a:font script="Thai" typeface="Angsana New"/>
+        <a:font script="Ethi" typeface="Nyala"/>
+        <a:font script="Beng" typeface="Vrinda"/>
+        <a:font script="Gujr" typeface="Shruti"/>
+        <a:font script="Khmr" typeface="MoolBoran"/>
+        <a:font script="Knda" typeface="Tunga"/>
+        <a:font script="Guru" typeface="Raavi"/>
+        <a:font script="Cans" typeface="Euphemia"/>
+        <a:font script="Cher" typeface="Plantagenet Cherokee"/>
+        <a:font script="Yiii" typeface="Microsoft Yi Baiti"/>
+        <a:font script="Tibt" typeface="Microsoft Himalaya"/>
+        <a:font script="Thaa" typeface="MV Boli"/>
+        <a:font script="Deva" typeface="Mangal"/>
+        <a:font script="Telu" typeface="Gautami"/>
+        <a:font script="Taml" typeface="Latha"/>
+        <a:font script="Syrc" typeface="Estrangelo Edessa"/>
+        <a:font script="Orya" typeface="Kalinga"/>
+        <a:font script="Mlym" typeface="Kartika"/>
+        <a:font script="Laoo" typeface="DokChampa"/>
+        <a:font script="Sinh" typeface="Iskoola Pota"/>
+        <a:font script="Mong" typeface="Mongolian Baiti"/>
+        <a:font script="Viet" typeface="Times New Roman"/>
+        <a:font script="Uigh" typeface="Microsoft Uighur"/>
+        <a:font script="Geor" typeface="Sylfaen"/>
+      </a:majorFont>
+      <a:minorFont>
+        <a:latin typeface="Arial"/>
+        <a:ea typeface=""/>
+        <a:cs typeface=""/>
+        <a:font script="Jpan" typeface="ＭＳ Ｐゴシック"/>
+        <a:font script="Hang" typeface="맑은 고딕"/>
+        <a:font script="Hans" typeface="宋体"/>
+        <a:font script="Hant" typeface="新細明體"/>
+        <a:font script="Arab" typeface="Arial"/>
+        <a:font script="Hebr" typeface="Arial"/>
+        <a:font script="Thai" typeface="Cordia New"/>
+        <a:font script="Ethi" typeface="Nyala"/>
+        <a:font script="Beng" typeface="Vrinda"/>
+        <a:font script="Gujr" typeface="Shruti"/>
+        <a:font script="Khmr" typeface="DaunPenh"/>
+        <a:font script="Knda" typeface="Tunga"/>
+        <a:font script="Guru" typeface="Raavi"/>
+        <a:font script="Cans" typeface="Euphemia"/>
+        <a:font script="Cher" typeface="Plantagenet Cherokee"/>
+        <a:font script="Yiii" typeface="Microsoft Yi Baiti"/>
+        <a:font script="Tibt" typeface="Microsoft Himalaya"/>
+        <a:font script="Thaa" typeface="MV Boli"/>
+        <a:font script="Deva" typeface="Mangal"/>
+        <a:font script="Telu" typeface="Gautami"/>
+        <a:font script="Taml" typeface="Latha"/>
+        <a:font script="Syrc" typeface="Estrangelo Edessa"/>
+        <a:font script="Orya" typeface="Kalinga"/>
+        <a:font script="Mlym" typeface="Kartika"/>
+        <a:font script="Laoo" typeface="DokChampa"/>
+        <a:font script="Sinh" typeface="Iskoola Pota"/>
+        <a:font script="Mong" typeface="Mongolian Baiti"/>
+        <a:font script="Viet" typeface="Arial"/>
+        <a:font script="Uigh" typeface="Microsoft Uighur"/>
+        <a:font script="Geor" typeface="Sylfaen"/>
+      </a:minorFont>
+    </a:fontScheme>
+    <a:fmtScheme name="Office">
+      <a:fillStyleLst>
+        <a:solidFill>
+          <a:schemeClr val="phClr"/>
+        </a:solidFill>
+        <a:gradFill rotWithShape="1">
+          <a:gsLst>
+            <a:gs pos="0">
+              <a:schemeClr val="phClr">
+                <a:tint val="50000"/>
+                <a:satMod val="300000"/>
+              </a:schemeClr>
+            </a:gs>
+            <a:gs pos="35000">
+              <a:schemeClr val="phClr">
+                <a:tint val="37000"/>
+                <a:satMod val="300000"/>
+              </a:schemeClr>
+            </a:gs>
+            <a:gs pos="100000">
+              <a:schemeClr val="phClr">
+                <a:tint val="15000"/>
+                <a:satMod val="350000"/>
+              </a:schemeClr>
+            </a:gs>
+          </a:gsLst>
+          <a:lin ang="16200000" scaled="1"/>
+        </a:gradFill>
+        <a:gradFill rotWithShape="1">
+          <a:gsLst>
+            <a:gs pos="0">
+              <a:schemeClr val="phClr">
+                <a:tint val="100000"/>
+                <a:shade val="100000"/>
+                <a:satMod val="130000"/>
+              </a:schemeClr>
+            </a:gs>
+            <a:gs pos="100000">
+              <a:schemeClr val="phClr">
+                <a:tint val="50000"/>
+                <a:shade val="100000"/>
+                <a:satMod val="350000"/>
+              </a:schemeClr>
+            </a:gs>
+          </a:gsLst>
+          <a:lin ang="16200000" scaled="0"/>
+        </a:gradFill>
+      </a:fillStyleLst>
+      <a:lnStyleLst>
+        <a:ln w="9525" cap="flat" cmpd="sng" algn="ctr">
+          <a:solidFill>
+            <a:schemeClr val="phClr">
+              <a:shade val="95000"/>
+              <a:satMod val="105000"/>
+            </a:schemeClr>
+          </a:solidFill>
+          <a:prstDash val="solid"/>
+        </a:ln>
+        <a:ln w="25400" cap="flat" cmpd="sng" algn="ctr">
+          <a:solidFill>
+            <a:schemeClr val="phClr"/>
+          </a:solidFill>
+          <a:prstDash val="solid"/>
+        </a:ln>
+        <a:ln w="38100" cap="flat" cmpd="sng" algn="ctr">
+          <a:solidFill>
+            <a:schemeClr val="phClr"/>
+          </a:solidFill>
+          <a:prstDash val="solid"/>
+        </a:ln>
+      </a:lnStyleLst>
+      <a:effectStyleLst>
+        <a:effectStyle>
+          <a:effectLst>
+            <a:outerShdw blurRad="40000" dist="20000" dir="5400000" rotWithShape="0">
+              <a:srgbClr val="000000">
+                <a:alpha val="38000"/>
+              </a:srgbClr>
+            </a:outerShdw>
+          </a:effectLst>
+        </a:effectStyle>
+        <a:effectStyle>
+          <a:effectLst>
+            <a:outerShdw blurRad="40000" dist="23000" dir="5400000" rotWithShape="0">
+              <a:srgbClr val="000000">
+                <a:alpha val="35000"/>
+              </a:srgbClr>
+            </a:outerShdw>
+          </a:effectLst>
+        </a:effectStyle>
+        <a:effectStyle>
+          <a:effectLst>
+            <a:outerShdw blurRad="40000" dist="23000" dir="5400000" rotWithShape="0">
+              <a:srgbClr val="000000">
+                <a:alpha val="35000"/>
+              </a:srgbClr>
+            </a:outerShdw>
+          </a:effectLst>
+          <a:scene3d>
+            <a:camera prst="orthographicFront">
+              <a:rot lat="0" lon="0" rev="0"/>
+            </a:camera>
+            <a:lightRig rig="threePt" dir="t">
+              <a:rot lat="0" lon="0" rev="1200000"/>
+            </a:lightRig>
+          </a:scene3d>
+          <a:sp3d>
+            <a:bevelT w="63500" h="25400"/>
+          </a:sp3d>
+        </a:effectStyle>
+      </a:effectStyleLst>
+      <a:bgFillStyleLst>
+        <a:solidFill>
+          <a:schemeClr val="phClr"/>
+        </a:solidFill>
+        <a:gradFill rotWithShape="1">
+          <a:gsLst>
+            <a:gs pos="0">
+              <a:schemeClr val="phClr">
+                <a:tint val="40000"/>
+                <a:satMod val="350000"/>
+              </a:schemeClr>
+            </a:gs>
+            <a:gs pos="40000">
+              <a:schemeClr val="phClr">
+                <a:tint val="45000"/>
+                <a:shade val="99000"/>
+                <a:satMod val="350000"/>
+              </a:schemeClr>
+            </a:gs>
+            <a:gs pos="100000">
+              <a:schemeClr val="phClr">
+                <a:shade val="20000"/>
+                <a:satMod val="255000"/>
+              </a:schemeClr>
+            </a:gs>
+          </a:gsLst>
+          <a:path path="circle">
+            <a:fillToRect l="50000" t="-80000" r="50000" b="180000"/>
+          </a:path>
+        </a:gradFill>
+        <a:gradFill rotWithShape="1">
+          <a:gsLst>
+            <a:gs pos="0">
+              <a:schemeClr val="phClr">
+                <a:tint val="80000"/>
+                <a:satMod val="300000"/>
+              </a:schemeClr>
+            </a:gs>
+            <a:gs pos="100000">
+              <a:schemeClr val="phClr">
+                <a:shade val="30000"/>
+                <a:satMod val="200000"/>
+              </a:schemeClr>
+            </a:gs>
+          </a:gsLst>
+          <a:path path="circle">
+            <a:fillToRect l="50000" t="50000" r="50000" b="50000"/>
+          </a:path>
+        </a:gradFill>
+      </a:bgFillStyleLst>
+    </a:fmtScheme>
+  </a:themeElements>
+</a:theme>
+</file>
+
+<file path=ppt/theme/theme2.xml><?xml version="1.0" encoding="utf-8"?>
 <a:theme xmlns:a="http://schemas.openxmlformats.org/drawingml/2006/main" xmlns:r="http://schemas.openxmlformats.org/officeDocument/2006/relationships" name="powerpointbase.com-w906">
   <a:themeElements>
     <a:clrScheme name="Стандартная">
@@ -16831,283 +17110,4 @@
     </a:fmtScheme>
   </a:themeElements>
 </a:theme>
-</file>
-
-<file path=ppt/theme/theme2.xml><?xml version="1.0" encoding="utf-8"?>
-<a:theme xmlns:a="http://schemas.openxmlformats.org/drawingml/2006/main" xmlns:r="http://schemas.openxmlformats.org/officeDocument/2006/relationships">
-  <a:themeElements>
-    <a:clrScheme name="Default">
-      <a:dk1>
-        <a:srgbClr val="000000"/>
-      </a:dk1>
-      <a:lt1>
-        <a:srgbClr val="FFFFFF"/>
-      </a:lt1>
-      <a:dk2>
-        <a:srgbClr val="158158"/>
-      </a:dk2>
-      <a:lt2>
-        <a:srgbClr val="F3F3F3"/>
-      </a:lt2>
-      <a:accent1>
-        <a:srgbClr val="058DC7"/>
-      </a:accent1>
-      <a:accent2>
-        <a:srgbClr val="50B432"/>
-      </a:accent2>
-      <a:accent3>
-        <a:srgbClr val="ED561B"/>
-      </a:accent3>
-      <a:accent4>
-        <a:srgbClr val="EDEF00"/>
-      </a:accent4>
-      <a:accent5>
-        <a:srgbClr val="24CBE5"/>
-      </a:accent5>
-      <a:accent6>
-        <a:srgbClr val="64E572"/>
-      </a:accent6>
-      <a:hlink>
-        <a:srgbClr val="2200CC"/>
-      </a:hlink>
-      <a:folHlink>
-        <a:srgbClr val="551A8B"/>
-      </a:folHlink>
-    </a:clrScheme>
-    <a:fontScheme name="Office">
-      <a:majorFont>
-        <a:latin typeface="Arial"/>
-        <a:ea typeface=""/>
-        <a:cs typeface=""/>
-        <a:font script="Jpan" typeface="ＭＳ Ｐゴシック"/>
-        <a:font script="Hang" typeface="맑은 고딕"/>
-        <a:font script="Hans" typeface="宋体"/>
-        <a:font script="Hant" typeface="新細明體"/>
-        <a:font script="Arab" typeface="Times New Roman"/>
-        <a:font script="Hebr" typeface="Times New Roman"/>
-        <a:font script="Thai" typeface="Angsana New"/>
-        <a:font script="Ethi" typeface="Nyala"/>
-        <a:font script="Beng" typeface="Vrinda"/>
-        <a:font script="Gujr" typeface="Shruti"/>
-        <a:font script="Khmr" typeface="MoolBoran"/>
-        <a:font script="Knda" typeface="Tunga"/>
-        <a:font script="Guru" typeface="Raavi"/>
-        <a:font script="Cans" typeface="Euphemia"/>
-        <a:font script="Cher" typeface="Plantagenet Cherokee"/>
-        <a:font script="Yiii" typeface="Microsoft Yi Baiti"/>
-        <a:font script="Tibt" typeface="Microsoft Himalaya"/>
-        <a:font script="Thaa" typeface="MV Boli"/>
-        <a:font script="Deva" typeface="Mangal"/>
-        <a:font script="Telu" typeface="Gautami"/>
-        <a:font script="Taml" typeface="Latha"/>
-        <a:font script="Syrc" typeface="Estrangelo Edessa"/>
-        <a:font script="Orya" typeface="Kalinga"/>
-        <a:font script="Mlym" typeface="Kartika"/>
-        <a:font script="Laoo" typeface="DokChampa"/>
-        <a:font script="Sinh" typeface="Iskoola Pota"/>
-        <a:font script="Mong" typeface="Mongolian Baiti"/>
-        <a:font script="Viet" typeface="Times New Roman"/>
-        <a:font script="Uigh" typeface="Microsoft Uighur"/>
-        <a:font script="Geor" typeface="Sylfaen"/>
-      </a:majorFont>
-      <a:minorFont>
-        <a:latin typeface="Arial"/>
-        <a:ea typeface=""/>
-        <a:cs typeface=""/>
-        <a:font script="Jpan" typeface="ＭＳ Ｐゴシック"/>
-        <a:font script="Hang" typeface="맑은 고딕"/>
-        <a:font script="Hans" typeface="宋体"/>
-        <a:font script="Hant" typeface="新細明體"/>
-        <a:font script="Arab" typeface="Arial"/>
-        <a:font script="Hebr" typeface="Arial"/>
-        <a:font script="Thai" typeface="Cordia New"/>
-        <a:font script="Ethi" typeface="Nyala"/>
-        <a:font script="Beng" typeface="Vrinda"/>
-        <a:font script="Gujr" typeface="Shruti"/>
-        <a:font script="Khmr" typeface="DaunPenh"/>
-        <a:font script="Knda" typeface="Tunga"/>
-        <a:font script="Guru" typeface="Raavi"/>
-        <a:font script="Cans" typeface="Euphemia"/>
-        <a:font script="Cher" typeface="Plantagenet Cherokee"/>
-        <a:font script="Yiii" typeface="Microsoft Yi Baiti"/>
-        <a:font script="Tibt" typeface="Microsoft Himalaya"/>
-        <a:font script="Thaa" typeface="MV Boli"/>
-        <a:font script="Deva" typeface="Mangal"/>
-        <a:font script="Telu" typeface="Gautami"/>
-        <a:font script="Taml" typeface="Latha"/>
-        <a:font script="Syrc" typeface="Estrangelo Edessa"/>
-        <a:font script="Orya" typeface="Kalinga"/>
-        <a:font script="Mlym" typeface="Kartika"/>
-        <a:font script="Laoo" typeface="DokChampa"/>
-        <a:font script="Sinh" typeface="Iskoola Pota"/>
-        <a:font script="Mong" typeface="Mongolian Baiti"/>
-        <a:font script="Viet" typeface="Arial"/>
-        <a:font script="Uigh" typeface="Microsoft Uighur"/>
-        <a:font script="Geor" typeface="Sylfaen"/>
-      </a:minorFont>
-    </a:fontScheme>
-    <a:fmtScheme name="Office">
-      <a:fillStyleLst>
-        <a:solidFill>
-          <a:schemeClr val="phClr"/>
-        </a:solidFill>
-        <a:gradFill rotWithShape="1">
-          <a:gsLst>
-            <a:gs pos="0">
-              <a:schemeClr val="phClr">
-                <a:tint val="50000"/>
-                <a:satMod val="300000"/>
-              </a:schemeClr>
-            </a:gs>
-            <a:gs pos="35000">
-              <a:schemeClr val="phClr">
-                <a:tint val="37000"/>
-                <a:satMod val="300000"/>
-              </a:schemeClr>
-            </a:gs>
-            <a:gs pos="100000">
-              <a:schemeClr val="phClr">
-                <a:tint val="15000"/>
-                <a:satMod val="350000"/>
-              </a:schemeClr>
-            </a:gs>
-          </a:gsLst>
-          <a:lin ang="16200000" scaled="1"/>
-        </a:gradFill>
-        <a:gradFill rotWithShape="1">
-          <a:gsLst>
-            <a:gs pos="0">
-              <a:schemeClr val="phClr">
-                <a:tint val="100000"/>
-                <a:shade val="100000"/>
-                <a:satMod val="130000"/>
-              </a:schemeClr>
-            </a:gs>
-            <a:gs pos="100000">
-              <a:schemeClr val="phClr">
-                <a:tint val="50000"/>
-                <a:shade val="100000"/>
-                <a:satMod val="350000"/>
-              </a:schemeClr>
-            </a:gs>
-          </a:gsLst>
-          <a:lin ang="16200000" scaled="0"/>
-        </a:gradFill>
-      </a:fillStyleLst>
-      <a:lnStyleLst>
-        <a:ln w="9525" cap="flat" cmpd="sng" algn="ctr">
-          <a:solidFill>
-            <a:schemeClr val="phClr">
-              <a:shade val="95000"/>
-              <a:satMod val="105000"/>
-            </a:schemeClr>
-          </a:solidFill>
-          <a:prstDash val="solid"/>
-        </a:ln>
-        <a:ln w="25400" cap="flat" cmpd="sng" algn="ctr">
-          <a:solidFill>
-            <a:schemeClr val="phClr"/>
-          </a:solidFill>
-          <a:prstDash val="solid"/>
-        </a:ln>
-        <a:ln w="38100" cap="flat" cmpd="sng" algn="ctr">
-          <a:solidFill>
-            <a:schemeClr val="phClr"/>
-          </a:solidFill>
-          <a:prstDash val="solid"/>
-        </a:ln>
-      </a:lnStyleLst>
-      <a:effectStyleLst>
-        <a:effectStyle>
-          <a:effectLst>
-            <a:outerShdw blurRad="40000" dist="20000" dir="5400000" rotWithShape="0">
-              <a:srgbClr val="000000">
-                <a:alpha val="38000"/>
-              </a:srgbClr>
-            </a:outerShdw>
-          </a:effectLst>
-        </a:effectStyle>
-        <a:effectStyle>
-          <a:effectLst>
-            <a:outerShdw blurRad="40000" dist="23000" dir="5400000" rotWithShape="0">
-              <a:srgbClr val="000000">
-                <a:alpha val="35000"/>
-              </a:srgbClr>
-            </a:outerShdw>
-          </a:effectLst>
-        </a:effectStyle>
-        <a:effectStyle>
-          <a:effectLst>
-            <a:outerShdw blurRad="40000" dist="23000" dir="5400000" rotWithShape="0">
-              <a:srgbClr val="000000">
-                <a:alpha val="35000"/>
-              </a:srgbClr>
-            </a:outerShdw>
-          </a:effectLst>
-          <a:scene3d>
-            <a:camera prst="orthographicFront">
-              <a:rot lat="0" lon="0" rev="0"/>
-            </a:camera>
-            <a:lightRig rig="threePt" dir="t">
-              <a:rot lat="0" lon="0" rev="1200000"/>
-            </a:lightRig>
-          </a:scene3d>
-          <a:sp3d>
-            <a:bevelT w="63500" h="25400"/>
-          </a:sp3d>
-        </a:effectStyle>
-      </a:effectStyleLst>
-      <a:bgFillStyleLst>
-        <a:solidFill>
-          <a:schemeClr val="phClr"/>
-        </a:solidFill>
-        <a:gradFill rotWithShape="1">
-          <a:gsLst>
-            <a:gs pos="0">
-              <a:schemeClr val="phClr">
-                <a:tint val="40000"/>
-                <a:satMod val="350000"/>
-              </a:schemeClr>
-            </a:gs>
-            <a:gs pos="40000">
-              <a:schemeClr val="phClr">
-                <a:tint val="45000"/>
-                <a:shade val="99000"/>
-                <a:satMod val="350000"/>
-              </a:schemeClr>
-            </a:gs>
-            <a:gs pos="100000">
-              <a:schemeClr val="phClr">
-                <a:shade val="20000"/>
-                <a:satMod val="255000"/>
-              </a:schemeClr>
-            </a:gs>
-          </a:gsLst>
-          <a:path path="circle">
-            <a:fillToRect l="50000" t="-80000" r="50000" b="180000"/>
-          </a:path>
-        </a:gradFill>
-        <a:gradFill rotWithShape="1">
-          <a:gsLst>
-            <a:gs pos="0">
-              <a:schemeClr val="phClr">
-                <a:tint val="80000"/>
-                <a:satMod val="300000"/>
-              </a:schemeClr>
-            </a:gs>
-            <a:gs pos="100000">
-              <a:schemeClr val="phClr">
-                <a:shade val="30000"/>
-                <a:satMod val="200000"/>
-              </a:schemeClr>
-            </a:gs>
-          </a:gsLst>
-          <a:path path="circle">
-            <a:fillToRect l="50000" t="50000" r="50000" b="50000"/>
-          </a:path>
-        </a:gradFill>
-      </a:bgFillStyleLst>
-    </a:fmtScheme>
-  </a:themeElements>
-</a:theme>
 </file>